--- a/slides/part2_snakemake.pptx
+++ b/slides/part2_snakemake.pptx
@@ -5,7 +5,7 @@
     <p:sldMasterId id="2147483648" r:id="rId1"/>
   </p:sldMasterIdLst>
   <p:notesMasterIdLst>
-    <p:notesMasterId r:id="rId17"/>
+    <p:notesMasterId r:id="rId18"/>
   </p:notesMasterIdLst>
   <p:sldIdLst>
     <p:sldId id="305" r:id="rId2"/>
@@ -14,15 +14,16 @@
     <p:sldId id="320" r:id="rId5"/>
     <p:sldId id="318" r:id="rId6"/>
     <p:sldId id="312" r:id="rId7"/>
-    <p:sldId id="315" r:id="rId8"/>
-    <p:sldId id="313" r:id="rId9"/>
-    <p:sldId id="316" r:id="rId10"/>
-    <p:sldId id="314" r:id="rId11"/>
-    <p:sldId id="306" r:id="rId12"/>
-    <p:sldId id="308" r:id="rId13"/>
-    <p:sldId id="317" r:id="rId14"/>
-    <p:sldId id="309" r:id="rId15"/>
-    <p:sldId id="310" r:id="rId16"/>
+    <p:sldId id="321" r:id="rId8"/>
+    <p:sldId id="315" r:id="rId9"/>
+    <p:sldId id="313" r:id="rId10"/>
+    <p:sldId id="316" r:id="rId11"/>
+    <p:sldId id="314" r:id="rId12"/>
+    <p:sldId id="284" r:id="rId13"/>
+    <p:sldId id="308" r:id="rId14"/>
+    <p:sldId id="317" r:id="rId15"/>
+    <p:sldId id="309" r:id="rId16"/>
+    <p:sldId id="310" r:id="rId17"/>
   </p:sldIdLst>
   <p:sldSz cx="12192000" cy="6858000"/>
   <p:notesSz cx="6858000" cy="9144000"/>
@@ -222,7 +223,7 @@
           <a:p>
             <a:fld id="{E3F296CD-6E58-DC4E-A0EB-CDC3D8FD3BFA}" type="datetimeFigureOut">
               <a:rPr lang="en-US" smtClean="0"/>
-              <a:t>12/27/23</a:t>
+              <a:t>1/23/24</a:t>
             </a:fld>
             <a:endParaRPr lang="en-US"/>
           </a:p>
@@ -1050,7 +1051,7 @@
           <a:p>
             <a:fld id="{4C048044-7738-D348-8900-2AFDDFC55191}" type="slidenum">
               <a:rPr lang="en-US" smtClean="0"/>
-              <a:t>8</a:t>
+              <a:t>9</a:t>
             </a:fld>
             <a:endParaRPr lang="en-US"/>
           </a:p>
@@ -1166,7 +1167,7 @@
           <a:p>
             <a:fld id="{4C048044-7738-D348-8900-2AFDDFC55191}" type="slidenum">
               <a:rPr lang="en-US" smtClean="0"/>
-              <a:t>10</a:t>
+              <a:t>11</a:t>
             </a:fld>
             <a:endParaRPr lang="en-US"/>
           </a:p>
@@ -1229,7 +1230,64 @@
           <a:bodyPr/>
           <a:lstStyle/>
           <a:p>
+            <a:r>
+              <a:rPr lang="en-US" dirty="0"/>
+              <a:t>This is a high-level overview to show what we’re about to go through. Things probably don’t make sense at this point, but we will go through each one of these steps individually.</a:t>
+            </a:r>
+          </a:p>
+          <a:p>
             <a:endParaRPr lang="en-US" dirty="0"/>
+          </a:p>
+          <a:p>
+            <a:r>
+              <a:rPr lang="en-US" dirty="0"/>
+              <a:t>Regardless of what analyses you want to do with your DNA sequences, chances are you’ll have to do all these steps</a:t>
+            </a:r>
+          </a:p>
+          <a:p>
+            <a:endParaRPr lang="en-US" dirty="0"/>
+          </a:p>
+          <a:p>
+            <a:r>
+              <a:rPr lang="en-US" dirty="0"/>
+              <a:t>Things in boxes are kinds of files, or file types</a:t>
+            </a:r>
+          </a:p>
+          <a:p>
+            <a:endParaRPr lang="en-US" dirty="0"/>
+          </a:p>
+          <a:p>
+            <a:r>
+              <a:rPr lang="en-US" dirty="0"/>
+              <a:t>Things between file types describe what gets done to go from one file type to another file type</a:t>
+            </a:r>
+          </a:p>
+          <a:p>
+            <a:endParaRPr lang="en-US" dirty="0"/>
+          </a:p>
+          <a:p>
+            <a:r>
+              <a:rPr lang="en-US" dirty="0"/>
+              <a:t>FASTQ is derived from FASTA, with an added Q to represent “quality”</a:t>
+            </a:r>
+          </a:p>
+          <a:p>
+            <a:endParaRPr lang="en-US" dirty="0"/>
+          </a:p>
+          <a:p>
+            <a:r>
+              <a:rPr lang="en-US" dirty="0"/>
+              <a:t>BAM stands for binary aligned map</a:t>
+            </a:r>
+          </a:p>
+          <a:p>
+            <a:endParaRPr lang="en-US" dirty="0"/>
+          </a:p>
+          <a:p>
+            <a:r>
+              <a:rPr lang="en-US" dirty="0"/>
+              <a:t>VCF stands for variant call format</a:t>
+            </a:r>
           </a:p>
         </p:txBody>
       </p:sp>
@@ -1250,7 +1308,7 @@
           <a:p>
             <a:fld id="{4C048044-7738-D348-8900-2AFDDFC55191}" type="slidenum">
               <a:rPr lang="en-US" smtClean="0"/>
-              <a:t>11</a:t>
+              <a:t>12</a:t>
             </a:fld>
             <a:endParaRPr lang="en-US"/>
           </a:p>
@@ -1259,7 +1317,7 @@
     </p:spTree>
     <p:extLst>
       <p:ext uri="{BB962C8B-B14F-4D97-AF65-F5344CB8AC3E}">
-        <p14:creationId xmlns:p14="http://schemas.microsoft.com/office/powerpoint/2010/main" val="2154049217"/>
+        <p14:creationId xmlns:p14="http://schemas.microsoft.com/office/powerpoint/2010/main" val="1709879778"/>
       </p:ext>
     </p:extLst>
   </p:cSld>
@@ -1334,7 +1392,7 @@
           <a:p>
             <a:fld id="{4C048044-7738-D348-8900-2AFDDFC55191}" type="slidenum">
               <a:rPr lang="en-US" smtClean="0"/>
-              <a:t>12</a:t>
+              <a:t>13</a:t>
             </a:fld>
             <a:endParaRPr lang="en-US"/>
           </a:p>
@@ -1500,7 +1558,7 @@
           <a:p>
             <a:fld id="{241C2AFF-2713-CE47-B7A0-9D68EEB70F09}" type="datetimeFigureOut">
               <a:rPr lang="en-US" smtClean="0"/>
-              <a:t>12/27/23</a:t>
+              <a:t>1/23/24</a:t>
             </a:fld>
             <a:endParaRPr lang="en-US"/>
           </a:p>
@@ -1698,7 +1756,7 @@
           <a:p>
             <a:fld id="{241C2AFF-2713-CE47-B7A0-9D68EEB70F09}" type="datetimeFigureOut">
               <a:rPr lang="en-US" smtClean="0"/>
-              <a:t>12/27/23</a:t>
+              <a:t>1/23/24</a:t>
             </a:fld>
             <a:endParaRPr lang="en-US"/>
           </a:p>
@@ -1906,7 +1964,7 @@
           <a:p>
             <a:fld id="{241C2AFF-2713-CE47-B7A0-9D68EEB70F09}" type="datetimeFigureOut">
               <a:rPr lang="en-US" smtClean="0"/>
-              <a:t>12/27/23</a:t>
+              <a:t>1/23/24</a:t>
             </a:fld>
             <a:endParaRPr lang="en-US"/>
           </a:p>
@@ -2104,7 +2162,7 @@
           <a:p>
             <a:fld id="{241C2AFF-2713-CE47-B7A0-9D68EEB70F09}" type="datetimeFigureOut">
               <a:rPr lang="en-US" smtClean="0"/>
-              <a:t>12/27/23</a:t>
+              <a:t>1/23/24</a:t>
             </a:fld>
             <a:endParaRPr lang="en-US"/>
           </a:p>
@@ -2379,7 +2437,7 @@
           <a:p>
             <a:fld id="{241C2AFF-2713-CE47-B7A0-9D68EEB70F09}" type="datetimeFigureOut">
               <a:rPr lang="en-US" smtClean="0"/>
-              <a:t>12/27/23</a:t>
+              <a:t>1/23/24</a:t>
             </a:fld>
             <a:endParaRPr lang="en-US"/>
           </a:p>
@@ -2644,7 +2702,7 @@
           <a:p>
             <a:fld id="{241C2AFF-2713-CE47-B7A0-9D68EEB70F09}" type="datetimeFigureOut">
               <a:rPr lang="en-US" smtClean="0"/>
-              <a:t>12/27/23</a:t>
+              <a:t>1/23/24</a:t>
             </a:fld>
             <a:endParaRPr lang="en-US"/>
           </a:p>
@@ -3056,7 +3114,7 @@
           <a:p>
             <a:fld id="{241C2AFF-2713-CE47-B7A0-9D68EEB70F09}" type="datetimeFigureOut">
               <a:rPr lang="en-US" smtClean="0"/>
-              <a:t>12/27/23</a:t>
+              <a:t>1/23/24</a:t>
             </a:fld>
             <a:endParaRPr lang="en-US"/>
           </a:p>
@@ -3197,7 +3255,7 @@
           <a:p>
             <a:fld id="{241C2AFF-2713-CE47-B7A0-9D68EEB70F09}" type="datetimeFigureOut">
               <a:rPr lang="en-US" smtClean="0"/>
-              <a:t>12/27/23</a:t>
+              <a:t>1/23/24</a:t>
             </a:fld>
             <a:endParaRPr lang="en-US"/>
           </a:p>
@@ -3310,7 +3368,7 @@
           <a:p>
             <a:fld id="{241C2AFF-2713-CE47-B7A0-9D68EEB70F09}" type="datetimeFigureOut">
               <a:rPr lang="en-US" smtClean="0"/>
-              <a:t>12/27/23</a:t>
+              <a:t>1/23/24</a:t>
             </a:fld>
             <a:endParaRPr lang="en-US"/>
           </a:p>
@@ -3621,7 +3679,7 @@
           <a:p>
             <a:fld id="{241C2AFF-2713-CE47-B7A0-9D68EEB70F09}" type="datetimeFigureOut">
               <a:rPr lang="en-US" smtClean="0"/>
-              <a:t>12/27/23</a:t>
+              <a:t>1/23/24</a:t>
             </a:fld>
             <a:endParaRPr lang="en-US"/>
           </a:p>
@@ -3909,7 +3967,7 @@
           <a:p>
             <a:fld id="{241C2AFF-2713-CE47-B7A0-9D68EEB70F09}" type="datetimeFigureOut">
               <a:rPr lang="en-US" smtClean="0"/>
-              <a:t>12/27/23</a:t>
+              <a:t>1/23/24</a:t>
             </a:fld>
             <a:endParaRPr lang="en-US"/>
           </a:p>
@@ -4150,7 +4208,7 @@
           <a:p>
             <a:fld id="{241C2AFF-2713-CE47-B7A0-9D68EEB70F09}" type="datetimeFigureOut">
               <a:rPr lang="en-US" smtClean="0"/>
-              <a:t>12/27/23</a:t>
+              <a:t>1/23/24</a:t>
             </a:fld>
             <a:endParaRPr lang="en-US"/>
           </a:p>
@@ -4635,6 +4693,92 @@
 </file>
 
 <file path=ppt/slides/slide10.xml><?xml version="1.0" encoding="utf-8"?>
+<p:sld xmlns:a="http://schemas.openxmlformats.org/drawingml/2006/main" xmlns:r="http://schemas.openxmlformats.org/officeDocument/2006/relationships" xmlns:p="http://schemas.openxmlformats.org/presentationml/2006/main">
+  <p:cSld>
+    <p:spTree>
+      <p:nvGrpSpPr>
+        <p:cNvPr id="1" name=""/>
+        <p:cNvGrpSpPr/>
+        <p:nvPr/>
+      </p:nvGrpSpPr>
+      <p:grpSpPr>
+        <a:xfrm>
+          <a:off x="0" y="0"/>
+          <a:ext cx="0" cy="0"/>
+          <a:chOff x="0" y="0"/>
+          <a:chExt cx="0" cy="0"/>
+        </a:xfrm>
+      </p:grpSpPr>
+      <p:sp>
+        <p:nvSpPr>
+          <p:cNvPr id="4" name="Title 3">
+            <a:extLst>
+              <a:ext uri="{FF2B5EF4-FFF2-40B4-BE49-F238E27FC236}">
+                <a16:creationId xmlns:a16="http://schemas.microsoft.com/office/drawing/2014/main" id="{00CD91AD-A3D9-5443-F6CB-EE99F45616E5}"/>
+              </a:ext>
+            </a:extLst>
+          </p:cNvPr>
+          <p:cNvSpPr txBox="1">
+            <a:spLocks/>
+          </p:cNvSpPr>
+          <p:nvPr/>
+        </p:nvSpPr>
+        <p:spPr>
+          <a:xfrm>
+            <a:off x="-3034" y="2925"/>
+            <a:ext cx="12195034" cy="923330"/>
+          </a:xfrm>
+          <a:prstGeom prst="rect">
+            <a:avLst/>
+          </a:prstGeom>
+          <a:noFill/>
+        </p:spPr>
+        <p:txBody>
+          <a:bodyPr vert="horz" wrap="square" lIns="91440" tIns="45720" rIns="91440" bIns="45720" rtlCol="0" anchor="b">
+            <a:spAutoFit/>
+          </a:bodyPr>
+          <a:lstStyle>
+            <a:lvl1pPr algn="ctr" defTabSz="914400" rtl="0" eaLnBrk="1" latinLnBrk="0" hangingPunct="1">
+              <a:lnSpc>
+                <a:spcPct val="90000"/>
+              </a:lnSpc>
+              <a:spcBef>
+                <a:spcPct val="0"/>
+              </a:spcBef>
+              <a:buNone/>
+              <a:defRPr sz="6000" kern="1200">
+                <a:solidFill>
+                  <a:schemeClr val="tx1"/>
+                </a:solidFill>
+                <a:latin typeface="+mj-lt"/>
+                <a:ea typeface="+mj-ea"/>
+                <a:cs typeface="+mj-cs"/>
+              </a:defRPr>
+            </a:lvl1pPr>
+          </a:lstStyle>
+          <a:p>
+            <a:pPr algn="l"/>
+            <a:r>
+              <a:rPr lang="en-US" dirty="0"/>
+              <a:t>See example on cluster</a:t>
+            </a:r>
+          </a:p>
+        </p:txBody>
+      </p:sp>
+    </p:spTree>
+    <p:extLst>
+      <p:ext uri="{BB962C8B-B14F-4D97-AF65-F5344CB8AC3E}">
+        <p14:creationId xmlns:p14="http://schemas.microsoft.com/office/powerpoint/2010/main" val="933740847"/>
+      </p:ext>
+    </p:extLst>
+  </p:cSld>
+  <p:clrMapOvr>
+    <a:masterClrMapping/>
+  </p:clrMapOvr>
+</p:sld>
+</file>
+
+<file path=ppt/slides/slide11.xml><?xml version="1.0" encoding="utf-8"?>
 <p:sld xmlns:a="http://schemas.openxmlformats.org/drawingml/2006/main" xmlns:r="http://schemas.openxmlformats.org/officeDocument/2006/relationships" xmlns:p="http://schemas.openxmlformats.org/presentationml/2006/main">
   <p:cSld>
     <p:spTree>
@@ -5534,7 +5678,7 @@
 </p:sld>
 </file>
 
-<file path=ppt/slides/slide11.xml><?xml version="1.0" encoding="utf-8"?>
+<file path=ppt/slides/slide12.xml><?xml version="1.0" encoding="utf-8"?>
 <p:sld xmlns:a="http://schemas.openxmlformats.org/drawingml/2006/main" xmlns:r="http://schemas.openxmlformats.org/officeDocument/2006/relationships" xmlns:p="http://schemas.openxmlformats.org/presentationml/2006/main">
   <p:cSld>
     <p:spTree>
@@ -5568,7 +5712,7 @@
         <p:spPr>
           <a:xfrm>
             <a:off x="-3034" y="2925"/>
-            <a:ext cx="12195034" cy="923330"/>
+            <a:ext cx="10515600" cy="923330"/>
           </a:xfrm>
           <a:prstGeom prst="rect">
             <a:avLst/>
@@ -5602,68 +5746,11 @@
             <a:pPr algn="l"/>
             <a:r>
               <a:rPr lang="en-US" dirty="0"/>
-              <a:t>WGS summary: </a:t>
-            </a:r>
-            <a:r>
-              <a:rPr lang="en-US" dirty="0">
-                <a:solidFill>
-                  <a:schemeClr val="accent6"/>
-                </a:solidFill>
-              </a:rPr>
-              <a:t>programs</a:t>
-            </a:r>
-            <a:r>
-              <a:rPr lang="en-US" dirty="0"/>
-              <a:t> to get there</a:t>
-            </a:r>
-          </a:p>
-        </p:txBody>
-      </p:sp>
-      <p:pic>
-        <p:nvPicPr>
-          <p:cNvPr id="20" name="Picture 6" descr="Whole Genome Sequencing | Whole Genome Sequencing Cost – 1010Genome |  Quality NGS Bioinformatics Data Analysis Services">
-            <a:extLst>
-              <a:ext uri="{FF2B5EF4-FFF2-40B4-BE49-F238E27FC236}">
-                <a16:creationId xmlns:a16="http://schemas.microsoft.com/office/drawing/2014/main" id="{5B9427C2-5960-1827-9450-AD4D7079089C}"/>
-              </a:ext>
-            </a:extLst>
-          </p:cNvPr>
-          <p:cNvPicPr>
-            <a:picLocks noChangeAspect="1" noChangeArrowheads="1"/>
-          </p:cNvPicPr>
-          <p:nvPr/>
-        </p:nvPicPr>
-        <p:blipFill rotWithShape="1">
-          <a:blip r:embed="rId3">
-            <a:extLst>
-              <a:ext uri="{28A0092B-C50C-407E-A947-70E740481C1C}">
-                <a14:useLocalDpi xmlns:a14="http://schemas.microsoft.com/office/drawing/2010/main" val="0"/>
-              </a:ext>
-            </a:extLst>
-          </a:blip>
-          <a:srcRect b="54362"/>
-          <a:stretch/>
-        </p:blipFill>
-        <p:spPr bwMode="auto">
-          <a:xfrm>
-            <a:off x="2612910" y="1122511"/>
-            <a:ext cx="6633410" cy="1674601"/>
-          </a:xfrm>
-          <a:prstGeom prst="rect">
-            <a:avLst/>
-          </a:prstGeom>
-          <a:noFill/>
-          <a:extLst>
-            <a:ext uri="{909E8E84-426E-40DD-AFC4-6F175D3DCCD1}">
-              <a14:hiddenFill xmlns:a14="http://schemas.microsoft.com/office/drawing/2010/main">
-                <a:solidFill>
-                  <a:srgbClr val="FFFFFF"/>
-                </a:solidFill>
-              </a14:hiddenFill>
-            </a:ext>
-          </a:extLst>
-        </p:spPr>
-      </p:pic>
+              <a:t>Review: WGS workflow</a:t>
+            </a:r>
+          </a:p>
+        </p:txBody>
+      </p:sp>
       <p:sp>
         <p:nvSpPr>
           <p:cNvPr id="32" name="Freeform 31">
@@ -5678,8 +5765,8 @@
         </p:nvSpPr>
         <p:spPr>
           <a:xfrm>
-            <a:off x="728614" y="1960931"/>
-            <a:ext cx="8559346" cy="2839452"/>
+            <a:off x="29370" y="1960931"/>
+            <a:ext cx="7008286" cy="2839452"/>
           </a:xfrm>
           <a:custGeom>
             <a:avLst/>
@@ -5836,10 +5923,10 @@
         </p:nvGrpSpPr>
         <p:grpSpPr>
           <a:xfrm>
-            <a:off x="1338491" y="4382851"/>
-            <a:ext cx="9435532" cy="835355"/>
+            <a:off x="639247" y="4382851"/>
+            <a:ext cx="9435532" cy="1721356"/>
             <a:chOff x="1236013" y="4315474"/>
-            <a:chExt cx="9435532" cy="835355"/>
+            <a:chExt cx="9435532" cy="1721356"/>
           </a:xfrm>
         </p:grpSpPr>
         <p:sp>
@@ -6161,6 +6248,128 @@
         </p:sp>
         <p:sp>
           <p:nvSpPr>
+            <p:cNvPr id="35" name="TextBox 34">
+              <a:extLst>
+                <a:ext uri="{FF2B5EF4-FFF2-40B4-BE49-F238E27FC236}">
+                  <a16:creationId xmlns:a16="http://schemas.microsoft.com/office/drawing/2014/main" id="{9109B891-34F8-DB79-E098-1143E7A7E52D}"/>
+                </a:ext>
+              </a:extLst>
+            </p:cNvPr>
+            <p:cNvSpPr txBox="1"/>
+            <p:nvPr/>
+          </p:nvSpPr>
+          <p:spPr>
+            <a:xfrm>
+              <a:off x="2084106" y="5113500"/>
+              <a:ext cx="878035" cy="923330"/>
+            </a:xfrm>
+            <a:prstGeom prst="rect">
+              <a:avLst/>
+            </a:prstGeom>
+            <a:noFill/>
+          </p:spPr>
+          <p:txBody>
+            <a:bodyPr wrap="square" rtlCol="0">
+              <a:spAutoFit/>
+            </a:bodyPr>
+            <a:lstStyle/>
+            <a:p>
+              <a:pPr algn="ctr"/>
+              <a:r>
+                <a:rPr lang="en-US" dirty="0"/>
+                <a:t>Clean raw data</a:t>
+              </a:r>
+            </a:p>
+          </p:txBody>
+        </p:sp>
+        <p:sp>
+          <p:nvSpPr>
+            <p:cNvPr id="37" name="TextBox 36">
+              <a:extLst>
+                <a:ext uri="{FF2B5EF4-FFF2-40B4-BE49-F238E27FC236}">
+                  <a16:creationId xmlns:a16="http://schemas.microsoft.com/office/drawing/2014/main" id="{8592B4BF-1443-37F0-408C-CBFF5C06411D}"/>
+                </a:ext>
+              </a:extLst>
+            </p:cNvPr>
+            <p:cNvSpPr txBox="1"/>
+            <p:nvPr/>
+          </p:nvSpPr>
+          <p:spPr>
+            <a:xfrm>
+              <a:off x="4085078" y="5055576"/>
+              <a:ext cx="1402357" cy="923330"/>
+            </a:xfrm>
+            <a:prstGeom prst="rect">
+              <a:avLst/>
+            </a:prstGeom>
+            <a:noFill/>
+          </p:spPr>
+          <p:txBody>
+            <a:bodyPr wrap="square" rtlCol="0">
+              <a:spAutoFit/>
+            </a:bodyPr>
+            <a:lstStyle/>
+            <a:p>
+              <a:pPr algn="ctr"/>
+              <a:r>
+                <a:rPr lang="en-US" dirty="0"/>
+                <a:t>Align sequencing reads</a:t>
+              </a:r>
+            </a:p>
+          </p:txBody>
+        </p:sp>
+        <p:sp>
+          <p:nvSpPr>
+            <p:cNvPr id="38" name="TextBox 37">
+              <a:extLst>
+                <a:ext uri="{FF2B5EF4-FFF2-40B4-BE49-F238E27FC236}">
+                  <a16:creationId xmlns:a16="http://schemas.microsoft.com/office/drawing/2014/main" id="{B98A3D34-8111-1156-8895-90836DC86ED0}"/>
+                </a:ext>
+              </a:extLst>
+            </p:cNvPr>
+            <p:cNvSpPr txBox="1"/>
+            <p:nvPr/>
+          </p:nvSpPr>
+          <p:spPr>
+            <a:xfrm>
+              <a:off x="5990224" y="5055576"/>
+              <a:ext cx="1215550" cy="923330"/>
+            </a:xfrm>
+            <a:prstGeom prst="rect">
+              <a:avLst/>
+            </a:prstGeom>
+            <a:noFill/>
+          </p:spPr>
+          <p:txBody>
+            <a:bodyPr wrap="square" rtlCol="0">
+              <a:spAutoFit/>
+            </a:bodyPr>
+            <a:lstStyle/>
+            <a:p>
+              <a:pPr algn="ctr"/>
+              <a:r>
+                <a:rPr lang="en-US" dirty="0"/>
+                <a:t>Clean </a:t>
+              </a:r>
+            </a:p>
+            <a:p>
+              <a:pPr algn="ctr"/>
+              <a:r>
+                <a:rPr lang="en-US" dirty="0"/>
+                <a:t>BAM </a:t>
+              </a:r>
+            </a:p>
+            <a:p>
+              <a:pPr algn="ctr"/>
+              <a:r>
+                <a:rPr lang="en-US" dirty="0"/>
+                <a:t>file</a:t>
+              </a:r>
+            </a:p>
+          </p:txBody>
+        </p:sp>
+        <p:sp>
+          <p:nvSpPr>
             <p:cNvPr id="42" name="TextBox 41">
               <a:extLst>
                 <a:ext uri="{FF2B5EF4-FFF2-40B4-BE49-F238E27FC236}">
@@ -6243,13 +6452,497 @@
             </a:fontRef>
           </p:style>
         </p:cxnSp>
+        <p:sp>
+          <p:nvSpPr>
+            <p:cNvPr id="46" name="TextBox 45">
+              <a:extLst>
+                <a:ext uri="{FF2B5EF4-FFF2-40B4-BE49-F238E27FC236}">
+                  <a16:creationId xmlns:a16="http://schemas.microsoft.com/office/drawing/2014/main" id="{CB983091-172A-D1A5-6AE6-3C5AA26D9861}"/>
+                </a:ext>
+              </a:extLst>
+            </p:cNvPr>
+            <p:cNvSpPr txBox="1"/>
+            <p:nvPr/>
+          </p:nvSpPr>
+          <p:spPr>
+            <a:xfrm>
+              <a:off x="8931584" y="5189592"/>
+              <a:ext cx="1215551" cy="646331"/>
+            </a:xfrm>
+            <a:prstGeom prst="rect">
+              <a:avLst/>
+            </a:prstGeom>
+            <a:noFill/>
+          </p:spPr>
+          <p:txBody>
+            <a:bodyPr wrap="square" rtlCol="0">
+              <a:spAutoFit/>
+            </a:bodyPr>
+            <a:lstStyle/>
+            <a:p>
+              <a:pPr algn="ctr"/>
+              <a:r>
+                <a:rPr lang="en-US" dirty="0"/>
+                <a:t>Find mutations</a:t>
+              </a:r>
+            </a:p>
+          </p:txBody>
+        </p:sp>
       </p:grpSp>
-      <p:sp>
-        <p:nvSpPr>
-          <p:cNvPr id="15" name="TextBox 14">
-            <a:extLst>
-              <a:ext uri="{FF2B5EF4-FFF2-40B4-BE49-F238E27FC236}">
-                <a16:creationId xmlns:a16="http://schemas.microsoft.com/office/drawing/2014/main" id="{AD5FC5A8-BB4C-4A43-73C6-F51C45101820}"/>
+      <p:grpSp>
+        <p:nvGrpSpPr>
+          <p:cNvPr id="52" name="Group 51">
+            <a:extLst>
+              <a:ext uri="{FF2B5EF4-FFF2-40B4-BE49-F238E27FC236}">
+                <a16:creationId xmlns:a16="http://schemas.microsoft.com/office/drawing/2014/main" id="{6DD13CC6-D9C0-C061-EA6D-7A787B13E1F5}"/>
+              </a:ext>
+            </a:extLst>
+          </p:cNvPr>
+          <p:cNvGrpSpPr/>
+          <p:nvPr/>
+        </p:nvGrpSpPr>
+        <p:grpSpPr>
+          <a:xfrm>
+            <a:off x="1126271" y="3627760"/>
+            <a:ext cx="1434720" cy="671763"/>
+            <a:chOff x="1126271" y="3627760"/>
+            <a:chExt cx="1434720" cy="671763"/>
+          </a:xfrm>
+        </p:grpSpPr>
+        <p:sp>
+          <p:nvSpPr>
+            <p:cNvPr id="49" name="TextBox 48">
+              <a:extLst>
+                <a:ext uri="{FF2B5EF4-FFF2-40B4-BE49-F238E27FC236}">
+                  <a16:creationId xmlns:a16="http://schemas.microsoft.com/office/drawing/2014/main" id="{0C1BF4BF-DD72-3C45-5AA0-930BEA0232A2}"/>
+                </a:ext>
+              </a:extLst>
+            </p:cNvPr>
+            <p:cNvSpPr txBox="1"/>
+            <p:nvPr/>
+          </p:nvSpPr>
+          <p:spPr>
+            <a:xfrm>
+              <a:off x="1613296" y="3627760"/>
+              <a:ext cx="947695" cy="369332"/>
+            </a:xfrm>
+            <a:prstGeom prst="rect">
+              <a:avLst/>
+            </a:prstGeom>
+            <a:noFill/>
+          </p:spPr>
+          <p:txBody>
+            <a:bodyPr wrap="none" rtlCol="0">
+              <a:spAutoFit/>
+            </a:bodyPr>
+            <a:lstStyle/>
+            <a:p>
+              <a:r>
+                <a:rPr lang="en-US" dirty="0">
+                  <a:solidFill>
+                    <a:srgbClr val="FF0000"/>
+                  </a:solidFill>
+                </a:rPr>
+                <a:t>file type</a:t>
+              </a:r>
+            </a:p>
+          </p:txBody>
+        </p:sp>
+        <p:cxnSp>
+          <p:nvCxnSpPr>
+            <p:cNvPr id="51" name="Straight Arrow Connector 50">
+              <a:extLst>
+                <a:ext uri="{FF2B5EF4-FFF2-40B4-BE49-F238E27FC236}">
+                  <a16:creationId xmlns:a16="http://schemas.microsoft.com/office/drawing/2014/main" id="{FEA6F510-6D5B-0F14-F1C2-9793F992BB32}"/>
+                </a:ext>
+              </a:extLst>
+            </p:cNvPr>
+            <p:cNvCxnSpPr>
+              <a:stCxn id="49" idx="1"/>
+            </p:cNvCxnSpPr>
+            <p:nvPr/>
+          </p:nvCxnSpPr>
+          <p:spPr>
+            <a:xfrm flipH="1">
+              <a:off x="1126271" y="3812426"/>
+              <a:ext cx="487025" cy="487097"/>
+            </a:xfrm>
+            <a:prstGeom prst="straightConnector1">
+              <a:avLst/>
+            </a:prstGeom>
+            <a:ln>
+              <a:solidFill>
+                <a:srgbClr val="FF0000"/>
+              </a:solidFill>
+              <a:tailEnd type="triangle"/>
+            </a:ln>
+          </p:spPr>
+          <p:style>
+            <a:lnRef idx="1">
+              <a:schemeClr val="accent1"/>
+            </a:lnRef>
+            <a:fillRef idx="0">
+              <a:schemeClr val="accent1"/>
+            </a:fillRef>
+            <a:effectRef idx="0">
+              <a:schemeClr val="accent1"/>
+            </a:effectRef>
+            <a:fontRef idx="minor">
+              <a:schemeClr val="tx1"/>
+            </a:fontRef>
+          </p:style>
+        </p:cxnSp>
+      </p:grpSp>
+      <p:grpSp>
+        <p:nvGrpSpPr>
+          <p:cNvPr id="58" name="Group 57">
+            <a:extLst>
+              <a:ext uri="{FF2B5EF4-FFF2-40B4-BE49-F238E27FC236}">
+                <a16:creationId xmlns:a16="http://schemas.microsoft.com/office/drawing/2014/main" id="{15307CB3-A772-050E-C213-988C7D0A27C3}"/>
+              </a:ext>
+            </a:extLst>
+          </p:cNvPr>
+          <p:cNvGrpSpPr/>
+          <p:nvPr/>
+        </p:nvGrpSpPr>
+        <p:grpSpPr>
+          <a:xfrm>
+            <a:off x="-133373" y="6046283"/>
+            <a:ext cx="1746669" cy="770078"/>
+            <a:chOff x="-133373" y="6046283"/>
+            <a:chExt cx="1746669" cy="770078"/>
+          </a:xfrm>
+        </p:grpSpPr>
+        <p:sp>
+          <p:nvSpPr>
+            <p:cNvPr id="53" name="TextBox 52">
+              <a:extLst>
+                <a:ext uri="{FF2B5EF4-FFF2-40B4-BE49-F238E27FC236}">
+                  <a16:creationId xmlns:a16="http://schemas.microsoft.com/office/drawing/2014/main" id="{7212552E-C0D5-C6E5-9F8C-1F338726AED6}"/>
+                </a:ext>
+              </a:extLst>
+            </p:cNvPr>
+            <p:cNvSpPr txBox="1"/>
+            <p:nvPr/>
+          </p:nvSpPr>
+          <p:spPr>
+            <a:xfrm>
+              <a:off x="-133373" y="6170030"/>
+              <a:ext cx="1451937" cy="646331"/>
+            </a:xfrm>
+            <a:prstGeom prst="rect">
+              <a:avLst/>
+            </a:prstGeom>
+            <a:noFill/>
+          </p:spPr>
+          <p:txBody>
+            <a:bodyPr wrap="square" rtlCol="0">
+              <a:spAutoFit/>
+            </a:bodyPr>
+            <a:lstStyle/>
+            <a:p>
+              <a:pPr algn="ctr"/>
+              <a:r>
+                <a:rPr lang="en-US" dirty="0">
+                  <a:solidFill>
+                    <a:srgbClr val="FF0000"/>
+                  </a:solidFill>
+                </a:rPr>
+                <a:t>step in pipeline</a:t>
+              </a:r>
+            </a:p>
+          </p:txBody>
+        </p:sp>
+        <p:cxnSp>
+          <p:nvCxnSpPr>
+            <p:cNvPr id="54" name="Straight Arrow Connector 53">
+              <a:extLst>
+                <a:ext uri="{FF2B5EF4-FFF2-40B4-BE49-F238E27FC236}">
+                  <a16:creationId xmlns:a16="http://schemas.microsoft.com/office/drawing/2014/main" id="{54BE3CED-F3FE-557D-0D41-BEC36EA18818}"/>
+                </a:ext>
+              </a:extLst>
+            </p:cNvPr>
+            <p:cNvCxnSpPr>
+              <a:cxnSpLocks/>
+            </p:cNvCxnSpPr>
+            <p:nvPr/>
+          </p:nvCxnSpPr>
+          <p:spPr>
+            <a:xfrm flipV="1">
+              <a:off x="1126271" y="6046283"/>
+              <a:ext cx="487025" cy="267890"/>
+            </a:xfrm>
+            <a:prstGeom prst="straightConnector1">
+              <a:avLst/>
+            </a:prstGeom>
+            <a:ln>
+              <a:solidFill>
+                <a:srgbClr val="FF0000"/>
+              </a:solidFill>
+              <a:tailEnd type="triangle"/>
+            </a:ln>
+          </p:spPr>
+          <p:style>
+            <a:lnRef idx="1">
+              <a:schemeClr val="accent1"/>
+            </a:lnRef>
+            <a:fillRef idx="0">
+              <a:schemeClr val="accent1"/>
+            </a:fillRef>
+            <a:effectRef idx="0">
+              <a:schemeClr val="accent1"/>
+            </a:effectRef>
+            <a:fontRef idx="minor">
+              <a:schemeClr val="tx1"/>
+            </a:fontRef>
+          </p:style>
+        </p:cxnSp>
+      </p:grpSp>
+      <p:grpSp>
+        <p:nvGrpSpPr>
+          <p:cNvPr id="8" name="Group 7">
+            <a:extLst>
+              <a:ext uri="{FF2B5EF4-FFF2-40B4-BE49-F238E27FC236}">
+                <a16:creationId xmlns:a16="http://schemas.microsoft.com/office/drawing/2014/main" id="{DF59F68C-8A13-E1D5-7C37-B8B7BFF2A5C3}"/>
+              </a:ext>
+            </a:extLst>
+          </p:cNvPr>
+          <p:cNvGrpSpPr/>
+          <p:nvPr/>
+        </p:nvGrpSpPr>
+        <p:grpSpPr>
+          <a:xfrm>
+            <a:off x="9987300" y="5157071"/>
+            <a:ext cx="1954928" cy="1767884"/>
+            <a:chOff x="1126271" y="3337204"/>
+            <a:chExt cx="1954928" cy="1767884"/>
+          </a:xfrm>
+        </p:grpSpPr>
+        <p:sp>
+          <p:nvSpPr>
+            <p:cNvPr id="9" name="TextBox 8">
+              <a:extLst>
+                <a:ext uri="{FF2B5EF4-FFF2-40B4-BE49-F238E27FC236}">
+                  <a16:creationId xmlns:a16="http://schemas.microsoft.com/office/drawing/2014/main" id="{265ED4D2-C677-848F-38FF-519DF73847BF}"/>
+                </a:ext>
+              </a:extLst>
+            </p:cNvPr>
+            <p:cNvSpPr txBox="1"/>
+            <p:nvPr/>
+          </p:nvSpPr>
+          <p:spPr>
+            <a:xfrm>
+              <a:off x="1613296" y="3627760"/>
+              <a:ext cx="1467903" cy="1477328"/>
+            </a:xfrm>
+            <a:prstGeom prst="rect">
+              <a:avLst/>
+            </a:prstGeom>
+            <a:noFill/>
+          </p:spPr>
+          <p:txBody>
+            <a:bodyPr wrap="square" rtlCol="0">
+              <a:spAutoFit/>
+            </a:bodyPr>
+            <a:lstStyle/>
+            <a:p>
+              <a:r>
+                <a:rPr lang="en-US" dirty="0">
+                  <a:solidFill>
+                    <a:srgbClr val="FF0000"/>
+                  </a:solidFill>
+                </a:rPr>
+                <a:t>analyzing this file typically answers evolutionary questions</a:t>
+              </a:r>
+            </a:p>
+          </p:txBody>
+        </p:sp>
+        <p:cxnSp>
+          <p:nvCxnSpPr>
+            <p:cNvPr id="11" name="Straight Arrow Connector 10">
+              <a:extLst>
+                <a:ext uri="{FF2B5EF4-FFF2-40B4-BE49-F238E27FC236}">
+                  <a16:creationId xmlns:a16="http://schemas.microsoft.com/office/drawing/2014/main" id="{1D38CDD3-F9C3-88A3-7971-DDEC60BA84FD}"/>
+                </a:ext>
+              </a:extLst>
+            </p:cNvPr>
+            <p:cNvCxnSpPr>
+              <a:cxnSpLocks/>
+              <a:stCxn id="9" idx="1"/>
+            </p:cNvCxnSpPr>
+            <p:nvPr/>
+          </p:nvCxnSpPr>
+          <p:spPr>
+            <a:xfrm flipH="1" flipV="1">
+              <a:off x="1126271" y="3337204"/>
+              <a:ext cx="487025" cy="1029220"/>
+            </a:xfrm>
+            <a:prstGeom prst="straightConnector1">
+              <a:avLst/>
+            </a:prstGeom>
+            <a:ln>
+              <a:solidFill>
+                <a:srgbClr val="FF0000"/>
+              </a:solidFill>
+              <a:tailEnd type="triangle"/>
+            </a:ln>
+          </p:spPr>
+          <p:style>
+            <a:lnRef idx="1">
+              <a:schemeClr val="accent1"/>
+            </a:lnRef>
+            <a:fillRef idx="0">
+              <a:schemeClr val="accent1"/>
+            </a:fillRef>
+            <a:effectRef idx="0">
+              <a:schemeClr val="accent1"/>
+            </a:effectRef>
+            <a:fontRef idx="minor">
+              <a:schemeClr val="tx1"/>
+            </a:fontRef>
+          </p:style>
+        </p:cxnSp>
+      </p:grpSp>
+      <p:pic>
+        <p:nvPicPr>
+          <p:cNvPr id="16" name="Picture 2" descr="Mast Cell Histology Slides, Animal">
+            <a:extLst>
+              <a:ext uri="{FF2B5EF4-FFF2-40B4-BE49-F238E27FC236}">
+                <a16:creationId xmlns:a16="http://schemas.microsoft.com/office/drawing/2014/main" id="{1F63DE30-9681-A95C-0F46-8FB7BBC6DEC1}"/>
+              </a:ext>
+            </a:extLst>
+          </p:cNvPr>
+          <p:cNvPicPr>
+            <a:picLocks noChangeAspect="1" noChangeArrowheads="1"/>
+          </p:cNvPicPr>
+          <p:nvPr/>
+        </p:nvPicPr>
+        <p:blipFill>
+          <a:blip r:embed="rId3">
+            <a:extLst>
+              <a:ext uri="{28A0092B-C50C-407E-A947-70E740481C1C}">
+                <a14:useLocalDpi xmlns:a14="http://schemas.microsoft.com/office/drawing/2010/main" val="0"/>
+              </a:ext>
+            </a:extLst>
+          </a:blip>
+          <a:srcRect/>
+          <a:stretch>
+            <a:fillRect/>
+          </a:stretch>
+        </p:blipFill>
+        <p:spPr bwMode="auto">
+          <a:xfrm>
+            <a:off x="228988" y="1416512"/>
+            <a:ext cx="1650620" cy="1237965"/>
+          </a:xfrm>
+          <a:prstGeom prst="rect">
+            <a:avLst/>
+          </a:prstGeom>
+          <a:noFill/>
+          <a:extLst>
+            <a:ext uri="{909E8E84-426E-40DD-AFC4-6F175D3DCCD1}">
+              <a14:hiddenFill xmlns:a14="http://schemas.microsoft.com/office/drawing/2010/main">
+                <a:solidFill>
+                  <a:srgbClr val="FFFFFF"/>
+                </a:solidFill>
+              </a14:hiddenFill>
+            </a:ext>
+          </a:extLst>
+        </p:spPr>
+      </p:pic>
+      <p:pic>
+        <p:nvPicPr>
+          <p:cNvPr id="17" name="Picture 6" descr="Whole Genome Sequencing | Whole Genome Sequencing Cost – 1010Genome |  Quality NGS Bioinformatics Data Analysis Services">
+            <a:extLst>
+              <a:ext uri="{FF2B5EF4-FFF2-40B4-BE49-F238E27FC236}">
+                <a16:creationId xmlns:a16="http://schemas.microsoft.com/office/drawing/2014/main" id="{D156379E-2D9D-6337-FABB-3036B6200BBE}"/>
+              </a:ext>
+            </a:extLst>
+          </p:cNvPr>
+          <p:cNvPicPr>
+            <a:picLocks noChangeAspect="1" noChangeArrowheads="1"/>
+          </p:cNvPicPr>
+          <p:nvPr/>
+        </p:nvPicPr>
+        <p:blipFill rotWithShape="1">
+          <a:blip r:embed="rId4">
+            <a:extLst>
+              <a:ext uri="{28A0092B-C50C-407E-A947-70E740481C1C}">
+                <a14:useLocalDpi xmlns:a14="http://schemas.microsoft.com/office/drawing/2010/main" val="0"/>
+              </a:ext>
+            </a:extLst>
+          </a:blip>
+          <a:srcRect l="69173" r="8203" b="54362"/>
+          <a:stretch/>
+        </p:blipFill>
+        <p:spPr bwMode="auto">
+          <a:xfrm>
+            <a:off x="4992814" y="1020026"/>
+            <a:ext cx="1500752" cy="1674601"/>
+          </a:xfrm>
+          <a:prstGeom prst="rect">
+            <a:avLst/>
+          </a:prstGeom>
+          <a:noFill/>
+          <a:extLst>
+            <a:ext uri="{909E8E84-426E-40DD-AFC4-6F175D3DCCD1}">
+              <a14:hiddenFill xmlns:a14="http://schemas.microsoft.com/office/drawing/2010/main">
+                <a:solidFill>
+                  <a:srgbClr val="FFFFFF"/>
+                </a:solidFill>
+              </a14:hiddenFill>
+            </a:ext>
+          </a:extLst>
+        </p:spPr>
+      </p:pic>
+      <p:cxnSp>
+        <p:nvCxnSpPr>
+          <p:cNvPr id="19" name="Straight Arrow Connector 18">
+            <a:extLst>
+              <a:ext uri="{FF2B5EF4-FFF2-40B4-BE49-F238E27FC236}">
+                <a16:creationId xmlns:a16="http://schemas.microsoft.com/office/drawing/2014/main" id="{E3E01DED-6E35-0781-EDC7-EF581B7CBA64}"/>
+              </a:ext>
+            </a:extLst>
+          </p:cNvPr>
+          <p:cNvCxnSpPr/>
+          <p:nvPr/>
+        </p:nvCxnSpPr>
+        <p:spPr>
+          <a:xfrm>
+            <a:off x="1947242" y="2025001"/>
+            <a:ext cx="848967" cy="0"/>
+          </a:xfrm>
+          <a:prstGeom prst="straightConnector1">
+            <a:avLst/>
+          </a:prstGeom>
+          <a:ln w="31750">
+            <a:solidFill>
+              <a:schemeClr val="tx1"/>
+            </a:solidFill>
+            <a:tailEnd type="triangle"/>
+          </a:ln>
+        </p:spPr>
+        <p:style>
+          <a:lnRef idx="1">
+            <a:schemeClr val="accent1"/>
+          </a:lnRef>
+          <a:fillRef idx="0">
+            <a:schemeClr val="accent1"/>
+          </a:fillRef>
+          <a:effectRef idx="0">
+            <a:schemeClr val="accent1"/>
+          </a:effectRef>
+          <a:fontRef idx="minor">
+            <a:schemeClr val="tx1"/>
+          </a:fontRef>
+        </p:style>
+      </p:cxnSp>
+      <p:sp>
+        <p:nvSpPr>
+          <p:cNvPr id="21" name="TextBox 20">
+            <a:extLst>
+              <a:ext uri="{FF2B5EF4-FFF2-40B4-BE49-F238E27FC236}">
+                <a16:creationId xmlns:a16="http://schemas.microsoft.com/office/drawing/2014/main" id="{96B396A9-D76F-B1B8-E2E4-B83D457223F7}"/>
               </a:ext>
             </a:extLst>
           </p:cNvPr>
@@ -6258,8 +6951,8 @@
         </p:nvSpPr>
         <p:spPr>
           <a:xfrm>
-            <a:off x="2178300" y="4027183"/>
-            <a:ext cx="936371" cy="369332"/>
+            <a:off x="1947242" y="1470674"/>
+            <a:ext cx="808375" cy="461665"/>
           </a:xfrm>
           <a:prstGeom prst="rect">
             <a:avLst/>
@@ -6274,27 +6967,18 @@
           <a:p>
             <a:pPr algn="ctr"/>
             <a:r>
-              <a:rPr lang="en-US" dirty="0" err="1">
-                <a:solidFill>
-                  <a:schemeClr val="accent6"/>
-                </a:solidFill>
-              </a:rPr>
-              <a:t>fastp</a:t>
-            </a:r>
-            <a:endParaRPr lang="en-US" dirty="0">
-              <a:solidFill>
-                <a:schemeClr val="accent6"/>
-              </a:solidFill>
-            </a:endParaRPr>
-          </a:p>
-        </p:txBody>
-      </p:sp>
-      <p:sp>
-        <p:nvSpPr>
-          <p:cNvPr id="16" name="TextBox 15">
-            <a:extLst>
-              <a:ext uri="{FF2B5EF4-FFF2-40B4-BE49-F238E27FC236}">
-                <a16:creationId xmlns:a16="http://schemas.microsoft.com/office/drawing/2014/main" id="{C8EB5490-FC41-569E-C02D-3A02F2EB00B1}"/>
+              <a:rPr lang="en-US" sz="1200" dirty="0"/>
+              <a:t>extract DNA</a:t>
+            </a:r>
+          </a:p>
+        </p:txBody>
+      </p:sp>
+      <p:sp>
+        <p:nvSpPr>
+          <p:cNvPr id="22" name="TextBox 21">
+            <a:extLst>
+              <a:ext uri="{FF2B5EF4-FFF2-40B4-BE49-F238E27FC236}">
+                <a16:creationId xmlns:a16="http://schemas.microsoft.com/office/drawing/2014/main" id="{03EB731C-FCD4-A867-C27D-F283CD7F5B42}"/>
               </a:ext>
             </a:extLst>
           </p:cNvPr>
@@ -6303,8 +6987,8 @@
         </p:nvSpPr>
         <p:spPr>
           <a:xfrm>
-            <a:off x="4339611" y="4027183"/>
-            <a:ext cx="1093690" cy="369332"/>
+            <a:off x="1961187" y="2098867"/>
+            <a:ext cx="808375" cy="276999"/>
           </a:xfrm>
           <a:prstGeom prst="rect">
             <a:avLst/>
@@ -6319,22 +7003,63 @@
           <a:p>
             <a:pPr algn="ctr"/>
             <a:r>
-              <a:rPr lang="en-US" dirty="0">
+              <a:rPr lang="en-US" sz="1200" dirty="0"/>
+              <a:t>shear</a:t>
+            </a:r>
+          </a:p>
+        </p:txBody>
+      </p:sp>
+      <p:pic>
+        <p:nvPicPr>
+          <p:cNvPr id="23" name="Picture 6" descr="Whole Genome Sequencing | Whole Genome Sequencing Cost – 1010Genome |  Quality NGS Bioinformatics Data Analysis Services">
+            <a:extLst>
+              <a:ext uri="{FF2B5EF4-FFF2-40B4-BE49-F238E27FC236}">
+                <a16:creationId xmlns:a16="http://schemas.microsoft.com/office/drawing/2014/main" id="{9E3AF633-BB31-58CB-1F36-45FA9974DD05}"/>
+              </a:ext>
+            </a:extLst>
+          </p:cNvPr>
+          <p:cNvPicPr>
+            <a:picLocks noChangeAspect="1" noChangeArrowheads="1"/>
+          </p:cNvPicPr>
+          <p:nvPr/>
+        </p:nvPicPr>
+        <p:blipFill rotWithShape="1">
+          <a:blip r:embed="rId4">
+            <a:extLst>
+              <a:ext uri="{28A0092B-C50C-407E-A947-70E740481C1C}">
+                <a14:useLocalDpi xmlns:a14="http://schemas.microsoft.com/office/drawing/2010/main" val="0"/>
+              </a:ext>
+            </a:extLst>
+          </a:blip>
+          <a:srcRect l="39849" r="43732" b="60976"/>
+          <a:stretch/>
+        </p:blipFill>
+        <p:spPr bwMode="auto">
+          <a:xfrm>
+            <a:off x="2891645" y="982131"/>
+            <a:ext cx="1089131" cy="1431912"/>
+          </a:xfrm>
+          <a:prstGeom prst="rect">
+            <a:avLst/>
+          </a:prstGeom>
+          <a:noFill/>
+          <a:extLst>
+            <a:ext uri="{909E8E84-426E-40DD-AFC4-6F175D3DCCD1}">
+              <a14:hiddenFill xmlns:a14="http://schemas.microsoft.com/office/drawing/2010/main">
                 <a:solidFill>
-                  <a:schemeClr val="accent6"/>
+                  <a:srgbClr val="FFFFFF"/>
                 </a:solidFill>
-              </a:rPr>
-              <a:t>BWA</a:t>
-            </a:r>
-          </a:p>
-        </p:txBody>
-      </p:sp>
-      <p:sp>
-        <p:nvSpPr>
-          <p:cNvPr id="17" name="TextBox 16">
-            <a:extLst>
-              <a:ext uri="{FF2B5EF4-FFF2-40B4-BE49-F238E27FC236}">
-                <a16:creationId xmlns:a16="http://schemas.microsoft.com/office/drawing/2014/main" id="{197ADFB1-4B2B-C5E6-BDCB-9664F6289538}"/>
+              </a14:hiddenFill>
+            </a:ext>
+          </a:extLst>
+        </p:spPr>
+      </p:pic>
+      <p:sp>
+        <p:nvSpPr>
+          <p:cNvPr id="24" name="TextBox 23">
+            <a:extLst>
+              <a:ext uri="{FF2B5EF4-FFF2-40B4-BE49-F238E27FC236}">
+                <a16:creationId xmlns:a16="http://schemas.microsoft.com/office/drawing/2014/main" id="{3B5D8BC0-2000-03DD-1357-10079610B8D4}"/>
               </a:ext>
             </a:extLst>
           </p:cNvPr>
@@ -6343,8 +7068,8 @@
         </p:nvSpPr>
         <p:spPr>
           <a:xfrm>
-            <a:off x="9143692" y="3995149"/>
-            <a:ext cx="1093690" cy="369332"/>
+            <a:off x="2973973" y="2380123"/>
+            <a:ext cx="975499" cy="461665"/>
           </a:xfrm>
           <a:prstGeom prst="rect">
             <a:avLst/>
@@ -6359,22 +7084,60 @@
           <a:p>
             <a:pPr algn="ctr"/>
             <a:r>
-              <a:rPr lang="en-US" dirty="0">
-                <a:solidFill>
-                  <a:schemeClr val="accent6"/>
-                </a:solidFill>
-              </a:rPr>
-              <a:t>GATK</a:t>
-            </a:r>
-          </a:p>
-        </p:txBody>
-      </p:sp>
-      <p:sp>
-        <p:nvSpPr>
-          <p:cNvPr id="23" name="TextBox 22">
-            <a:extLst>
-              <a:ext uri="{FF2B5EF4-FFF2-40B4-BE49-F238E27FC236}">
-                <a16:creationId xmlns:a16="http://schemas.microsoft.com/office/drawing/2014/main" id="{AF6B7968-41A3-BB0B-DF3D-415701607EF2}"/>
+              <a:rPr lang="en-US" sz="1200" dirty="0"/>
+              <a:t>DNA fragments</a:t>
+            </a:r>
+          </a:p>
+        </p:txBody>
+      </p:sp>
+      <p:cxnSp>
+        <p:nvCxnSpPr>
+          <p:cNvPr id="25" name="Straight Arrow Connector 24">
+            <a:extLst>
+              <a:ext uri="{FF2B5EF4-FFF2-40B4-BE49-F238E27FC236}">
+                <a16:creationId xmlns:a16="http://schemas.microsoft.com/office/drawing/2014/main" id="{01B01204-C8E7-84D2-2D15-4B631D07160B}"/>
+              </a:ext>
+            </a:extLst>
+          </p:cNvPr>
+          <p:cNvCxnSpPr/>
+          <p:nvPr/>
+        </p:nvCxnSpPr>
+        <p:spPr>
+          <a:xfrm>
+            <a:off x="4116804" y="2056352"/>
+            <a:ext cx="848967" cy="0"/>
+          </a:xfrm>
+          <a:prstGeom prst="straightConnector1">
+            <a:avLst/>
+          </a:prstGeom>
+          <a:ln w="31750">
+            <a:solidFill>
+              <a:schemeClr val="tx1"/>
+            </a:solidFill>
+            <a:tailEnd type="triangle"/>
+          </a:ln>
+        </p:spPr>
+        <p:style>
+          <a:lnRef idx="1">
+            <a:schemeClr val="accent1"/>
+          </a:lnRef>
+          <a:fillRef idx="0">
+            <a:schemeClr val="accent1"/>
+          </a:fillRef>
+          <a:effectRef idx="0">
+            <a:schemeClr val="accent1"/>
+          </a:effectRef>
+          <a:fontRef idx="minor">
+            <a:schemeClr val="tx1"/>
+          </a:fontRef>
+        </p:style>
+      </p:cxnSp>
+      <p:sp>
+        <p:nvSpPr>
+          <p:cNvPr id="27" name="TextBox 26">
+            <a:extLst>
+              <a:ext uri="{FF2B5EF4-FFF2-40B4-BE49-F238E27FC236}">
+                <a16:creationId xmlns:a16="http://schemas.microsoft.com/office/drawing/2014/main" id="{0763E5B1-0E18-A7B8-3608-93ED784B5411}"/>
               </a:ext>
             </a:extLst>
           </p:cNvPr>
@@ -6383,8 +7146,8 @@
         </p:nvSpPr>
         <p:spPr>
           <a:xfrm>
-            <a:off x="6167512" y="4025041"/>
-            <a:ext cx="1093690" cy="369332"/>
+            <a:off x="4116804" y="1502025"/>
+            <a:ext cx="876009" cy="461665"/>
           </a:xfrm>
           <a:prstGeom prst="rect">
             <a:avLst/>
@@ -6399,12 +7162,95 @@
           <a:p>
             <a:pPr algn="ctr"/>
             <a:r>
-              <a:rPr lang="en-US" dirty="0">
-                <a:solidFill>
-                  <a:schemeClr val="accent6"/>
-                </a:solidFill>
-              </a:rPr>
-              <a:t>Picard</a:t>
+              <a:rPr lang="en-US" sz="1200" dirty="0"/>
+              <a:t>give to sequencer</a:t>
+            </a:r>
+          </a:p>
+        </p:txBody>
+      </p:sp>
+      <p:sp>
+        <p:nvSpPr>
+          <p:cNvPr id="28" name="TextBox 27">
+            <a:extLst>
+              <a:ext uri="{FF2B5EF4-FFF2-40B4-BE49-F238E27FC236}">
+                <a16:creationId xmlns:a16="http://schemas.microsoft.com/office/drawing/2014/main" id="{C20C7DCE-DAEF-9AAD-CEAF-4BA0E32F7427}"/>
+              </a:ext>
+            </a:extLst>
+          </p:cNvPr>
+          <p:cNvSpPr txBox="1"/>
+          <p:nvPr/>
+        </p:nvSpPr>
+        <p:spPr>
+          <a:xfrm>
+            <a:off x="8322502" y="991045"/>
+            <a:ext cx="3319514" cy="3139321"/>
+          </a:xfrm>
+          <a:prstGeom prst="rect">
+            <a:avLst/>
+          </a:prstGeom>
+          <a:noFill/>
+        </p:spPr>
+        <p:txBody>
+          <a:bodyPr wrap="square" rtlCol="0">
+            <a:spAutoFit/>
+          </a:bodyPr>
+          <a:lstStyle/>
+          <a:p>
+            <a:r>
+              <a:rPr lang="en-US" dirty="0"/>
+              <a:t>generic key takeaways:</a:t>
+            </a:r>
+          </a:p>
+          <a:p>
+            <a:pPr marL="342900" indent="-342900">
+              <a:buFont typeface="+mj-lt"/>
+              <a:buAutoNum type="arabicPeriod"/>
+            </a:pPr>
+            <a:r>
+              <a:rPr lang="en-US" dirty="0"/>
+              <a:t>data needs to be processed in many steps</a:t>
+            </a:r>
+          </a:p>
+          <a:p>
+            <a:pPr marL="342900" indent="-342900">
+              <a:buFont typeface="+mj-lt"/>
+              <a:buAutoNum type="arabicPeriod"/>
+            </a:pPr>
+            <a:r>
+              <a:rPr lang="en-US" dirty="0"/>
+              <a:t>output of step </a:t>
+            </a:r>
+            <a:r>
+              <a:rPr lang="en-US" i="1" dirty="0"/>
+              <a:t>n</a:t>
+            </a:r>
+            <a:r>
+              <a:rPr lang="en-US" dirty="0"/>
+              <a:t> is input of step </a:t>
+            </a:r>
+            <a:r>
+              <a:rPr lang="en-US" i="1" dirty="0"/>
+              <a:t>n+1</a:t>
+            </a:r>
+          </a:p>
+          <a:p>
+            <a:pPr marL="342900" indent="-342900">
+              <a:buFont typeface="+mj-lt"/>
+              <a:buAutoNum type="arabicPeriod"/>
+            </a:pPr>
+            <a:r>
+              <a:rPr lang="en-US" dirty="0"/>
+              <a:t>each step involves a different program</a:t>
+            </a:r>
+          </a:p>
+          <a:p>
+            <a:pPr marL="342900" indent="-342900">
+              <a:buFont typeface="+mj-lt"/>
+              <a:buAutoNum type="arabicPeriod"/>
+            </a:pPr>
+            <a:r>
+              <a:rPr lang="en-US" dirty="0"/>
+              <a:t>if you have data for 100’s of samples, you must do this 100’s of times, so organized + automated is best!</a:t>
             </a:r>
           </a:p>
         </p:txBody>
@@ -6412,17 +7258,164 @@
     </p:spTree>
     <p:extLst>
       <p:ext uri="{BB962C8B-B14F-4D97-AF65-F5344CB8AC3E}">
-        <p14:creationId xmlns:p14="http://schemas.microsoft.com/office/powerpoint/2010/main" val="3891311028"/>
+        <p14:creationId xmlns:p14="http://schemas.microsoft.com/office/powerpoint/2010/main" val="1055241598"/>
       </p:ext>
     </p:extLst>
   </p:cSld>
   <p:clrMapOvr>
     <a:masterClrMapping/>
   </p:clrMapOvr>
+  <p:timing>
+    <p:tnLst>
+      <p:par>
+        <p:cTn id="1" dur="indefinite" restart="never" nodeType="tmRoot">
+          <p:childTnLst>
+            <p:seq concurrent="1" nextAc="seek">
+              <p:cTn id="2" dur="indefinite" nodeType="mainSeq">
+                <p:childTnLst>
+                  <p:par>
+                    <p:cTn id="3" fill="hold">
+                      <p:stCondLst>
+                        <p:cond delay="indefinite"/>
+                      </p:stCondLst>
+                      <p:childTnLst>
+                        <p:par>
+                          <p:cTn id="4" fill="hold">
+                            <p:stCondLst>
+                              <p:cond delay="0"/>
+                            </p:stCondLst>
+                            <p:childTnLst>
+                              <p:par>
+                                <p:cTn id="5" presetID="1" presetClass="entr" presetSubtype="0" fill="hold" nodeType="clickEffect">
+                                  <p:stCondLst>
+                                    <p:cond delay="0"/>
+                                  </p:stCondLst>
+                                  <p:childTnLst>
+                                    <p:set>
+                                      <p:cBhvr>
+                                        <p:cTn id="6" dur="1" fill="hold">
+                                          <p:stCondLst>
+                                            <p:cond delay="0"/>
+                                          </p:stCondLst>
+                                        </p:cTn>
+                                        <p:tgtEl>
+                                          <p:spTgt spid="52"/>
+                                        </p:tgtEl>
+                                        <p:attrNameLst>
+                                          <p:attrName>style.visibility</p:attrName>
+                                        </p:attrNameLst>
+                                      </p:cBhvr>
+                                      <p:to>
+                                        <p:strVal val="visible"/>
+                                      </p:to>
+                                    </p:set>
+                                  </p:childTnLst>
+                                </p:cTn>
+                              </p:par>
+                              <p:par>
+                                <p:cTn id="7" presetID="1" presetClass="entr" presetSubtype="0" fill="hold" nodeType="withEffect">
+                                  <p:stCondLst>
+                                    <p:cond delay="0"/>
+                                  </p:stCondLst>
+                                  <p:childTnLst>
+                                    <p:set>
+                                      <p:cBhvr>
+                                        <p:cTn id="8" dur="1" fill="hold">
+                                          <p:stCondLst>
+                                            <p:cond delay="0"/>
+                                          </p:stCondLst>
+                                        </p:cTn>
+                                        <p:tgtEl>
+                                          <p:spTgt spid="58"/>
+                                        </p:tgtEl>
+                                        <p:attrNameLst>
+                                          <p:attrName>style.visibility</p:attrName>
+                                        </p:attrNameLst>
+                                      </p:cBhvr>
+                                      <p:to>
+                                        <p:strVal val="visible"/>
+                                      </p:to>
+                                    </p:set>
+                                  </p:childTnLst>
+                                </p:cTn>
+                              </p:par>
+                            </p:childTnLst>
+                          </p:cTn>
+                        </p:par>
+                      </p:childTnLst>
+                    </p:cTn>
+                  </p:par>
+                  <p:par>
+                    <p:cTn id="9" fill="hold">
+                      <p:stCondLst>
+                        <p:cond delay="indefinite"/>
+                      </p:stCondLst>
+                      <p:childTnLst>
+                        <p:par>
+                          <p:cTn id="10" fill="hold">
+                            <p:stCondLst>
+                              <p:cond delay="0"/>
+                            </p:stCondLst>
+                            <p:childTnLst>
+                              <p:par>
+                                <p:cTn id="11" presetID="1" presetClass="entr" presetSubtype="0" fill="hold" nodeType="clickEffect">
+                                  <p:stCondLst>
+                                    <p:cond delay="0"/>
+                                  </p:stCondLst>
+                                  <p:childTnLst>
+                                    <p:set>
+                                      <p:cBhvr>
+                                        <p:cTn id="12" dur="1" fill="hold">
+                                          <p:stCondLst>
+                                            <p:cond delay="0"/>
+                                          </p:stCondLst>
+                                        </p:cTn>
+                                        <p:tgtEl>
+                                          <p:spTgt spid="8"/>
+                                        </p:tgtEl>
+                                        <p:attrNameLst>
+                                          <p:attrName>style.visibility</p:attrName>
+                                        </p:attrNameLst>
+                                      </p:cBhvr>
+                                      <p:to>
+                                        <p:strVal val="visible"/>
+                                      </p:to>
+                                    </p:set>
+                                  </p:childTnLst>
+                                </p:cTn>
+                              </p:par>
+                            </p:childTnLst>
+                          </p:cTn>
+                        </p:par>
+                      </p:childTnLst>
+                    </p:cTn>
+                  </p:par>
+                </p:childTnLst>
+              </p:cTn>
+              <p:prevCondLst>
+                <p:cond evt="onPrev" delay="0">
+                  <p:tgtEl>
+                    <p:sldTgt/>
+                  </p:tgtEl>
+                </p:cond>
+              </p:prevCondLst>
+              <p:nextCondLst>
+                <p:cond evt="onNext" delay="0">
+                  <p:tgtEl>
+                    <p:sldTgt/>
+                  </p:tgtEl>
+                </p:cond>
+              </p:nextCondLst>
+            </p:seq>
+          </p:childTnLst>
+        </p:cTn>
+      </p:par>
+    </p:tnLst>
+  </p:timing>
 </p:sld>
 </file>
 
-<file path=ppt/slides/slide12.xml><?xml version="1.0" encoding="utf-8"?>
+<file path=ppt/slides/slide13.xml><?xml version="1.0" encoding="utf-8"?>
 <p:sld xmlns:a="http://schemas.openxmlformats.org/drawingml/2006/main" xmlns:r="http://schemas.openxmlformats.org/officeDocument/2006/relationships" xmlns:p="http://schemas.openxmlformats.org/presentationml/2006/main">
   <p:cSld>
     <p:spTree>
@@ -8305,7 +9298,7 @@
 </p:sld>
 </file>
 
-<file path=ppt/slides/slide13.xml><?xml version="1.0" encoding="utf-8"?>
+<file path=ppt/slides/slide14.xml><?xml version="1.0" encoding="utf-8"?>
 <p:sld xmlns:a="http://schemas.openxmlformats.org/drawingml/2006/main" xmlns:r="http://schemas.openxmlformats.org/officeDocument/2006/relationships" xmlns:p="http://schemas.openxmlformats.org/presentationml/2006/main">
   <p:cSld>
     <p:spTree>
@@ -8391,7 +9384,7 @@
 </p:sld>
 </file>
 
-<file path=ppt/slides/slide14.xml><?xml version="1.0" encoding="utf-8"?>
+<file path=ppt/slides/slide15.xml><?xml version="1.0" encoding="utf-8"?>
 <p:sld xmlns:a="http://schemas.openxmlformats.org/drawingml/2006/main" xmlns:r="http://schemas.openxmlformats.org/officeDocument/2006/relationships" xmlns:p="http://schemas.openxmlformats.org/presentationml/2006/main">
   <p:cSld>
     <p:spTree>
@@ -8667,7 +9660,7 @@
 </p:sld>
 </file>
 
-<file path=ppt/slides/slide15.xml><?xml version="1.0" encoding="utf-8"?>
+<file path=ppt/slides/slide16.xml><?xml version="1.0" encoding="utf-8"?>
 <p:sld xmlns:a="http://schemas.openxmlformats.org/drawingml/2006/main" xmlns:r="http://schemas.openxmlformats.org/officeDocument/2006/relationships" xmlns:p="http://schemas.openxmlformats.org/presentationml/2006/main">
   <p:cSld>
     <p:spTree>
@@ -9064,7 +10057,7 @@
         </p:nvSpPr>
         <p:spPr>
           <a:xfrm>
-            <a:off x="617438" y="1720840"/>
+            <a:off x="617438" y="1245827"/>
             <a:ext cx="10954089" cy="3416320"/>
           </a:xfrm>
           <a:prstGeom prst="rect">
@@ -9313,6 +10306,267 @@
           </a:extLst>
         </p:spPr>
       </p:pic>
+      <p:sp>
+        <p:nvSpPr>
+          <p:cNvPr id="18" name="Rectangle 17">
+            <a:extLst>
+              <a:ext uri="{FF2B5EF4-FFF2-40B4-BE49-F238E27FC236}">
+                <a16:creationId xmlns:a16="http://schemas.microsoft.com/office/drawing/2014/main" id="{6ECD2D75-FEC5-FCE6-6A30-53C31EA97187}"/>
+              </a:ext>
+            </a:extLst>
+          </p:cNvPr>
+          <p:cNvSpPr>
+            <a:spLocks noChangeAspect="1"/>
+          </p:cNvSpPr>
+          <p:nvPr/>
+        </p:nvSpPr>
+        <p:spPr>
+          <a:xfrm>
+            <a:off x="3306528" y="4930052"/>
+            <a:ext cx="1371600" cy="1354015"/>
+          </a:xfrm>
+          <a:prstGeom prst="rect">
+            <a:avLst/>
+          </a:prstGeom>
+          <a:solidFill>
+            <a:schemeClr val="bg1"/>
+          </a:solidFill>
+          <a:ln w="38100"/>
+        </p:spPr>
+        <p:style>
+          <a:lnRef idx="2">
+            <a:schemeClr val="accent1">
+              <a:shade val="15000"/>
+            </a:schemeClr>
+          </a:lnRef>
+          <a:fillRef idx="1">
+            <a:schemeClr val="accent1"/>
+          </a:fillRef>
+          <a:effectRef idx="0">
+            <a:schemeClr val="accent1"/>
+          </a:effectRef>
+          <a:fontRef idx="minor">
+            <a:schemeClr val="lt1"/>
+          </a:fontRef>
+        </p:style>
+        <p:txBody>
+          <a:bodyPr rtlCol="0" anchor="ctr"/>
+          <a:lstStyle/>
+          <a:p>
+            <a:pPr algn="ctr"/>
+            <a:endParaRPr lang="en-US" dirty="0"/>
+          </a:p>
+        </p:txBody>
+      </p:sp>
+      <p:sp>
+        <p:nvSpPr>
+          <p:cNvPr id="19" name="TextBox 18">
+            <a:extLst>
+              <a:ext uri="{FF2B5EF4-FFF2-40B4-BE49-F238E27FC236}">
+                <a16:creationId xmlns:a16="http://schemas.microsoft.com/office/drawing/2014/main" id="{AACFF0E8-6D6A-B54A-5069-217ABF6FF8C1}"/>
+              </a:ext>
+            </a:extLst>
+          </p:cNvPr>
+          <p:cNvSpPr txBox="1"/>
+          <p:nvPr/>
+        </p:nvSpPr>
+        <p:spPr>
+          <a:xfrm>
+            <a:off x="3306528" y="4930052"/>
+            <a:ext cx="1024639" cy="369332"/>
+          </a:xfrm>
+          <a:prstGeom prst="rect">
+            <a:avLst/>
+          </a:prstGeom>
+          <a:noFill/>
+        </p:spPr>
+        <p:txBody>
+          <a:bodyPr wrap="none" rtlCol="0">
+            <a:spAutoFit/>
+          </a:bodyPr>
+          <a:lstStyle/>
+          <a:p>
+            <a:r>
+              <a:rPr lang="en-US" dirty="0"/>
+              <a:t>input file</a:t>
+            </a:r>
+          </a:p>
+        </p:txBody>
+      </p:sp>
+      <p:cxnSp>
+        <p:nvCxnSpPr>
+          <p:cNvPr id="5" name="Straight Arrow Connector 4">
+            <a:extLst>
+              <a:ext uri="{FF2B5EF4-FFF2-40B4-BE49-F238E27FC236}">
+                <a16:creationId xmlns:a16="http://schemas.microsoft.com/office/drawing/2014/main" id="{02EA5EDD-EDBB-476D-7EEC-C288C9216A17}"/>
+              </a:ext>
+            </a:extLst>
+          </p:cNvPr>
+          <p:cNvCxnSpPr>
+            <a:cxnSpLocks/>
+          </p:cNvCxnSpPr>
+          <p:nvPr/>
+        </p:nvCxnSpPr>
+        <p:spPr>
+          <a:xfrm>
+            <a:off x="5405113" y="5369080"/>
+            <a:ext cx="1377537" cy="0"/>
+          </a:xfrm>
+          <a:prstGeom prst="straightConnector1">
+            <a:avLst/>
+          </a:prstGeom>
+          <a:ln w="38100">
+            <a:solidFill>
+              <a:schemeClr val="tx1"/>
+            </a:solidFill>
+            <a:tailEnd type="triangle"/>
+          </a:ln>
+        </p:spPr>
+        <p:style>
+          <a:lnRef idx="1">
+            <a:schemeClr val="accent1"/>
+          </a:lnRef>
+          <a:fillRef idx="0">
+            <a:schemeClr val="accent1"/>
+          </a:fillRef>
+          <a:effectRef idx="0">
+            <a:schemeClr val="accent1"/>
+          </a:effectRef>
+          <a:fontRef idx="minor">
+            <a:schemeClr val="tx1"/>
+          </a:fontRef>
+        </p:style>
+      </p:cxnSp>
+      <p:sp>
+        <p:nvSpPr>
+          <p:cNvPr id="6" name="TextBox 5">
+            <a:extLst>
+              <a:ext uri="{FF2B5EF4-FFF2-40B4-BE49-F238E27FC236}">
+                <a16:creationId xmlns:a16="http://schemas.microsoft.com/office/drawing/2014/main" id="{724690D2-5CEC-D4C1-8122-68ACD5E48F9E}"/>
+              </a:ext>
+            </a:extLst>
+          </p:cNvPr>
+          <p:cNvSpPr txBox="1"/>
+          <p:nvPr/>
+        </p:nvSpPr>
+        <p:spPr>
+          <a:xfrm>
+            <a:off x="5494390" y="5040443"/>
+            <a:ext cx="1200183" cy="1200329"/>
+          </a:xfrm>
+          <a:prstGeom prst="rect">
+            <a:avLst/>
+          </a:prstGeom>
+          <a:noFill/>
+        </p:spPr>
+        <p:txBody>
+          <a:bodyPr wrap="square" rtlCol="0">
+            <a:spAutoFit/>
+          </a:bodyPr>
+          <a:lstStyle/>
+          <a:p>
+            <a:pPr algn="ctr"/>
+            <a:r>
+              <a:rPr lang="en-US" b="1" dirty="0"/>
+              <a:t>rule</a:t>
+            </a:r>
+          </a:p>
+          <a:p>
+            <a:pPr algn="ctr"/>
+            <a:r>
+              <a:rPr lang="en-US" dirty="0"/>
+              <a:t>runs command on each</a:t>
+            </a:r>
+          </a:p>
+        </p:txBody>
+      </p:sp>
+      <p:sp>
+        <p:nvSpPr>
+          <p:cNvPr id="14" name="Rectangle 13">
+            <a:extLst>
+              <a:ext uri="{FF2B5EF4-FFF2-40B4-BE49-F238E27FC236}">
+                <a16:creationId xmlns:a16="http://schemas.microsoft.com/office/drawing/2014/main" id="{3C9F1EA0-4BF6-7FCE-28E1-B4976ACBA8A9}"/>
+              </a:ext>
+            </a:extLst>
+          </p:cNvPr>
+          <p:cNvSpPr>
+            <a:spLocks noChangeAspect="1"/>
+          </p:cNvSpPr>
+          <p:nvPr/>
+        </p:nvSpPr>
+        <p:spPr>
+          <a:xfrm>
+            <a:off x="7510835" y="4928300"/>
+            <a:ext cx="1371600" cy="1354015"/>
+          </a:xfrm>
+          <a:prstGeom prst="rect">
+            <a:avLst/>
+          </a:prstGeom>
+          <a:solidFill>
+            <a:schemeClr val="bg1"/>
+          </a:solidFill>
+          <a:ln w="38100"/>
+        </p:spPr>
+        <p:style>
+          <a:lnRef idx="2">
+            <a:schemeClr val="accent1">
+              <a:shade val="15000"/>
+            </a:schemeClr>
+          </a:lnRef>
+          <a:fillRef idx="1">
+            <a:schemeClr val="accent1"/>
+          </a:fillRef>
+          <a:effectRef idx="0">
+            <a:schemeClr val="accent1"/>
+          </a:effectRef>
+          <a:fontRef idx="minor">
+            <a:schemeClr val="lt1"/>
+          </a:fontRef>
+        </p:style>
+        <p:txBody>
+          <a:bodyPr rtlCol="0" anchor="ctr"/>
+          <a:lstStyle/>
+          <a:p>
+            <a:pPr algn="ctr"/>
+            <a:endParaRPr lang="en-US" dirty="0"/>
+          </a:p>
+        </p:txBody>
+      </p:sp>
+      <p:sp>
+        <p:nvSpPr>
+          <p:cNvPr id="15" name="TextBox 14">
+            <a:extLst>
+              <a:ext uri="{FF2B5EF4-FFF2-40B4-BE49-F238E27FC236}">
+                <a16:creationId xmlns:a16="http://schemas.microsoft.com/office/drawing/2014/main" id="{D1B34CA6-1E93-61AB-5777-A27F5EDB9941}"/>
+              </a:ext>
+            </a:extLst>
+          </p:cNvPr>
+          <p:cNvSpPr txBox="1"/>
+          <p:nvPr/>
+        </p:nvSpPr>
+        <p:spPr>
+          <a:xfrm>
+            <a:off x="7510835" y="4928300"/>
+            <a:ext cx="1170513" cy="369332"/>
+          </a:xfrm>
+          <a:prstGeom prst="rect">
+            <a:avLst/>
+          </a:prstGeom>
+          <a:noFill/>
+        </p:spPr>
+        <p:txBody>
+          <a:bodyPr wrap="none" rtlCol="0">
+            <a:spAutoFit/>
+          </a:bodyPr>
+          <a:lstStyle/>
+          <a:p>
+            <a:r>
+              <a:rPr lang="en-US" dirty="0"/>
+              <a:t>output file</a:t>
+            </a:r>
+          </a:p>
+        </p:txBody>
+      </p:sp>
     </p:spTree>
     <p:extLst>
       <p:ext uri="{BB962C8B-B14F-4D97-AF65-F5344CB8AC3E}">
@@ -10165,7 +11419,7 @@
             </a:pPr>
             <a:r>
               <a:rPr lang="en-US" sz="2400" dirty="0"/>
-              <a:t>many raw FASTQ files, rule runs program to process/clean each one</a:t>
+              <a:t>bioinformatics: many raw FASTQ files, rule runs program to process/clean each one</a:t>
             </a:r>
           </a:p>
           <a:p>
@@ -10175,12 +11429,18 @@
             </a:pPr>
             <a:r>
               <a:rPr lang="en-US" sz="2400" dirty="0"/>
-              <a:t>many FASTA files of enhancer sequences, each one for a different species, rule runs program to detect TFBS enrichment in each species</a:t>
-            </a:r>
-          </a:p>
-          <a:p>
-            <a:pPr lvl="1"/>
-            <a:endParaRPr lang="en-US" sz="2400" dirty="0"/>
+              <a:t>climate research: process satellite imagery</a:t>
+            </a:r>
+          </a:p>
+          <a:p>
+            <a:pPr marL="800100" lvl="1" indent="-342900">
+              <a:buFont typeface="Arial" panose="020B0604020202020204" pitchFamily="34" charset="0"/>
+              <a:buChar char="•"/>
+            </a:pPr>
+            <a:r>
+              <a:rPr lang="en-US" sz="2400" dirty="0"/>
+              <a:t>etc.</a:t>
+            </a:r>
           </a:p>
           <a:p>
             <a:pPr marL="800100" lvl="1" indent="-342900">
@@ -11744,65 +13004,6 @@
           </a:p>
         </p:txBody>
       </p:sp>
-      <p:sp>
-        <p:nvSpPr>
-          <p:cNvPr id="1049" name="TextBox 1048">
-            <a:extLst>
-              <a:ext uri="{FF2B5EF4-FFF2-40B4-BE49-F238E27FC236}">
-                <a16:creationId xmlns:a16="http://schemas.microsoft.com/office/drawing/2014/main" id="{2AF23D7A-2144-19BC-7F33-1E85A65C44F4}"/>
-              </a:ext>
-            </a:extLst>
-          </p:cNvPr>
-          <p:cNvSpPr txBox="1"/>
-          <p:nvPr/>
-        </p:nvSpPr>
-        <p:spPr>
-          <a:xfrm>
-            <a:off x="8726826" y="1188720"/>
-            <a:ext cx="3391198" cy="1938992"/>
-          </a:xfrm>
-          <a:prstGeom prst="rect">
-            <a:avLst/>
-          </a:prstGeom>
-          <a:noFill/>
-        </p:spPr>
-        <p:txBody>
-          <a:bodyPr wrap="square" rtlCol="0">
-            <a:spAutoFit/>
-          </a:bodyPr>
-          <a:lstStyle/>
-          <a:p>
-            <a:r>
-              <a:rPr lang="en-US" sz="2400" dirty="0"/>
-              <a:t>examples</a:t>
-            </a:r>
-          </a:p>
-          <a:p>
-            <a:pPr marL="800100" lvl="1" indent="-342900">
-              <a:buFont typeface="Arial" panose="020B0604020202020204" pitchFamily="34" charset="0"/>
-              <a:buChar char="•"/>
-            </a:pPr>
-            <a:r>
-              <a:rPr lang="en-US" sz="2400" dirty="0"/>
-              <a:t>any analysis using sequence data</a:t>
-            </a:r>
-          </a:p>
-          <a:p>
-            <a:pPr marL="800100" lvl="1" indent="-342900">
-              <a:buFont typeface="Arial" panose="020B0604020202020204" pitchFamily="34" charset="0"/>
-              <a:buChar char="•"/>
-            </a:pPr>
-            <a:endParaRPr lang="en-US" sz="2400" dirty="0"/>
-          </a:p>
-          <a:p>
-            <a:pPr marL="742950" lvl="1" indent="-285750">
-              <a:buFont typeface="Arial" panose="020B0604020202020204" pitchFamily="34" charset="0"/>
-              <a:buChar char="•"/>
-            </a:pPr>
-            <a:endParaRPr lang="en-US" sz="2400" dirty="0"/>
-          </a:p>
-        </p:txBody>
-      </p:sp>
     </p:spTree>
     <p:extLst>
       <p:ext uri="{BB962C8B-B14F-4D97-AF65-F5344CB8AC3E}">
@@ -12264,10 +13465,62 @@
       </p:sp>
       <p:sp>
         <p:nvSpPr>
-          <p:cNvPr id="2" name="TextBox 1">
-            <a:extLst>
-              <a:ext uri="{FF2B5EF4-FFF2-40B4-BE49-F238E27FC236}">
-                <a16:creationId xmlns:a16="http://schemas.microsoft.com/office/drawing/2014/main" id="{89C95C3B-1D9E-F345-909A-28777C20B5E8}"/>
+          <p:cNvPr id="21" name="Rectangle 20">
+            <a:extLst>
+              <a:ext uri="{FF2B5EF4-FFF2-40B4-BE49-F238E27FC236}">
+                <a16:creationId xmlns:a16="http://schemas.microsoft.com/office/drawing/2014/main" id="{FC56256E-08E9-9C6A-D404-9DB00A1D5F85}"/>
+              </a:ext>
+            </a:extLst>
+          </p:cNvPr>
+          <p:cNvSpPr>
+            <a:spLocks noChangeAspect="1"/>
+          </p:cNvSpPr>
+          <p:nvPr/>
+        </p:nvSpPr>
+        <p:spPr>
+          <a:xfrm>
+            <a:off x="1781298" y="3961543"/>
+            <a:ext cx="1371600" cy="1354015"/>
+          </a:xfrm>
+          <a:prstGeom prst="rect">
+            <a:avLst/>
+          </a:prstGeom>
+          <a:solidFill>
+            <a:schemeClr val="bg1"/>
+          </a:solidFill>
+          <a:ln w="38100"/>
+        </p:spPr>
+        <p:style>
+          <a:lnRef idx="2">
+            <a:schemeClr val="accent1">
+              <a:shade val="15000"/>
+            </a:schemeClr>
+          </a:lnRef>
+          <a:fillRef idx="1">
+            <a:schemeClr val="accent1"/>
+          </a:fillRef>
+          <a:effectRef idx="0">
+            <a:schemeClr val="accent1"/>
+          </a:effectRef>
+          <a:fontRef idx="minor">
+            <a:schemeClr val="lt1"/>
+          </a:fontRef>
+        </p:style>
+        <p:txBody>
+          <a:bodyPr rtlCol="0" anchor="ctr"/>
+          <a:lstStyle/>
+          <a:p>
+            <a:pPr algn="ctr"/>
+            <a:endParaRPr lang="en-US" dirty="0"/>
+          </a:p>
+        </p:txBody>
+      </p:sp>
+      <p:sp>
+        <p:nvSpPr>
+          <p:cNvPr id="22" name="TextBox 21">
+            <a:extLst>
+              <a:ext uri="{FF2B5EF4-FFF2-40B4-BE49-F238E27FC236}">
+                <a16:creationId xmlns:a16="http://schemas.microsoft.com/office/drawing/2014/main" id="{FEA3EBF3-B84F-3966-5CCB-76AEBBF9FF01}"/>
               </a:ext>
             </a:extLst>
           </p:cNvPr>
@@ -12276,8 +13529,8 @@
         </p:nvSpPr>
         <p:spPr>
           <a:xfrm>
-            <a:off x="6096" y="3229715"/>
-            <a:ext cx="6244016" cy="1477328"/>
+            <a:off x="1781298" y="3961543"/>
+            <a:ext cx="971741" cy="369332"/>
           </a:xfrm>
           <a:prstGeom prst="rect">
             <a:avLst/>
@@ -12285,114 +13538,68 @@
           <a:noFill/>
         </p:spPr>
         <p:txBody>
-          <a:bodyPr wrap="square" rtlCol="0">
+          <a:bodyPr wrap="none" rtlCol="0">
             <a:spAutoFit/>
           </a:bodyPr>
           <a:lstStyle/>
           <a:p>
             <a:r>
-              <a:rPr lang="en-US" dirty="0">
-                <a:cs typeface="Consolas" panose="020B0609020204030204" pitchFamily="49" charset="0"/>
-              </a:rPr>
-              <a:t>Special</a:t>
-            </a:r>
-            <a:r>
-              <a:rPr lang="en-US" dirty="0">
-                <a:latin typeface="Consolas" panose="020B0609020204030204" pitchFamily="49" charset="0"/>
-                <a:cs typeface="Consolas" panose="020B0609020204030204" pitchFamily="49" charset="0"/>
-              </a:rPr>
-              <a:t> rule all</a:t>
-            </a:r>
-          </a:p>
-          <a:p>
-            <a:pPr marL="285750" indent="-285750">
-              <a:buFont typeface="Arial" panose="020B0604020202020204" pitchFamily="34" charset="0"/>
-              <a:buChar char="•"/>
-            </a:pPr>
-            <a:r>
               <a:rPr lang="en-US" dirty="0"/>
-              <a:t>typically written towards top of file</a:t>
-            </a:r>
-          </a:p>
-          <a:p>
-            <a:pPr marL="285750" indent="-285750">
-              <a:buFont typeface="Arial" panose="020B0604020202020204" pitchFamily="34" charset="0"/>
-              <a:buChar char="•"/>
-            </a:pPr>
-            <a:r>
-              <a:rPr lang="en-US" dirty="0"/>
-              <a:t>final rule, with only </a:t>
-            </a:r>
-            <a:r>
-              <a:rPr lang="en-US" dirty="0">
-                <a:latin typeface="Consolas" panose="020B0609020204030204" pitchFamily="49" charset="0"/>
-                <a:cs typeface="Consolas" panose="020B0609020204030204" pitchFamily="49" charset="0"/>
-              </a:rPr>
-              <a:t>input</a:t>
-            </a:r>
-            <a:r>
-              <a:rPr lang="en-US" dirty="0">
-                <a:latin typeface="+mj-lt"/>
-                <a:cs typeface="Consolas" panose="020B0609020204030204" pitchFamily="49" charset="0"/>
-              </a:rPr>
-              <a:t>: </a:t>
-            </a:r>
-            <a:r>
-              <a:rPr lang="en-US" dirty="0">
-                <a:cs typeface="Consolas" panose="020B0609020204030204" pitchFamily="49" charset="0"/>
-              </a:rPr>
-              <a:t>the final file(s) of the workflow</a:t>
-            </a:r>
-          </a:p>
-          <a:p>
-            <a:pPr marL="285750" indent="-285750">
-              <a:buFont typeface="Arial" panose="020B0604020202020204" pitchFamily="34" charset="0"/>
-              <a:buChar char="•"/>
-            </a:pPr>
-            <a:r>
-              <a:rPr lang="en-US" dirty="0" err="1">
-                <a:cs typeface="Consolas" panose="020B0609020204030204" pitchFamily="49" charset="0"/>
-              </a:rPr>
-              <a:t>Snakemake</a:t>
-            </a:r>
-            <a:r>
-              <a:rPr lang="en-US" dirty="0">
-                <a:cs typeface="Consolas" panose="020B0609020204030204" pitchFamily="49" charset="0"/>
-              </a:rPr>
-              <a:t> figures out which rules need to be run to get file(s) in </a:t>
-            </a:r>
-            <a:r>
-              <a:rPr lang="en-US" dirty="0">
-                <a:latin typeface="Consolas" panose="020B0609020204030204" pitchFamily="49" charset="0"/>
-                <a:cs typeface="Consolas" panose="020B0609020204030204" pitchFamily="49" charset="0"/>
-              </a:rPr>
-              <a:t>rule</a:t>
-            </a:r>
-            <a:r>
-              <a:rPr lang="en-US" dirty="0">
-                <a:cs typeface="Consolas" panose="020B0609020204030204" pitchFamily="49" charset="0"/>
-              </a:rPr>
-              <a:t> </a:t>
-            </a:r>
-            <a:r>
-              <a:rPr lang="en-US" dirty="0">
-                <a:latin typeface="Consolas" panose="020B0609020204030204" pitchFamily="49" charset="0"/>
-                <a:cs typeface="Consolas" panose="020B0609020204030204" pitchFamily="49" charset="0"/>
-              </a:rPr>
-              <a:t>all</a:t>
-            </a:r>
-            <a:endParaRPr lang="en-US" dirty="0">
-              <a:cs typeface="Consolas" panose="020B0609020204030204" pitchFamily="49" charset="0"/>
-            </a:endParaRPr>
-          </a:p>
-        </p:txBody>
-      </p:sp>
-      <p:sp>
-        <p:nvSpPr>
-          <p:cNvPr id="3" name="TextBox 2">
-            <a:extLst>
-              <a:ext uri="{FF2B5EF4-FFF2-40B4-BE49-F238E27FC236}">
-                <a16:creationId xmlns:a16="http://schemas.microsoft.com/office/drawing/2014/main" id="{71A3B4DB-AB45-AD87-56BD-D1F43CE6A00D}"/>
+              <a:t>RNA seq</a:t>
+            </a:r>
+          </a:p>
+        </p:txBody>
+      </p:sp>
+      <p:cxnSp>
+        <p:nvCxnSpPr>
+          <p:cNvPr id="23" name="Straight Arrow Connector 22">
+            <a:extLst>
+              <a:ext uri="{FF2B5EF4-FFF2-40B4-BE49-F238E27FC236}">
+                <a16:creationId xmlns:a16="http://schemas.microsoft.com/office/drawing/2014/main" id="{E256378D-1552-9B34-9FA2-69F4EAE1EECE}"/>
+              </a:ext>
+            </a:extLst>
+          </p:cNvPr>
+          <p:cNvCxnSpPr>
+            <a:cxnSpLocks/>
+          </p:cNvCxnSpPr>
+          <p:nvPr/>
+        </p:nvCxnSpPr>
+        <p:spPr>
+          <a:xfrm>
+            <a:off x="3648693" y="4378375"/>
+            <a:ext cx="1377537" cy="0"/>
+          </a:xfrm>
+          <a:prstGeom prst="straightConnector1">
+            <a:avLst/>
+          </a:prstGeom>
+          <a:ln w="38100">
+            <a:solidFill>
+              <a:schemeClr val="tx1"/>
+            </a:solidFill>
+            <a:tailEnd type="triangle"/>
+          </a:ln>
+        </p:spPr>
+        <p:style>
+          <a:lnRef idx="1">
+            <a:schemeClr val="accent1"/>
+          </a:lnRef>
+          <a:fillRef idx="0">
+            <a:schemeClr val="accent1"/>
+          </a:fillRef>
+          <a:effectRef idx="0">
+            <a:schemeClr val="accent1"/>
+          </a:effectRef>
+          <a:fontRef idx="minor">
+            <a:schemeClr val="tx1"/>
+          </a:fontRef>
+        </p:style>
+      </p:cxnSp>
+      <p:sp>
+        <p:nvSpPr>
+          <p:cNvPr id="24" name="TextBox 23">
+            <a:extLst>
+              <a:ext uri="{FF2B5EF4-FFF2-40B4-BE49-F238E27FC236}">
+                <a16:creationId xmlns:a16="http://schemas.microsoft.com/office/drawing/2014/main" id="{9E6AAF2C-61E1-FFCC-5041-02E6B64F27EE}"/>
               </a:ext>
             </a:extLst>
           </p:cNvPr>
@@ -12401,8 +13608,8 @@
         </p:nvSpPr>
         <p:spPr>
           <a:xfrm>
-            <a:off x="6096" y="5080272"/>
-            <a:ext cx="6244016" cy="923330"/>
+            <a:off x="3737970" y="4049738"/>
+            <a:ext cx="1200183" cy="369332"/>
           </a:xfrm>
           <a:prstGeom prst="rect">
             <a:avLst/>
@@ -12415,67 +13622,268 @@
           </a:bodyPr>
           <a:lstStyle/>
           <a:p>
-            <a:pPr marL="285750" indent="-285750">
-              <a:buFont typeface="Arial" panose="020B0604020202020204" pitchFamily="34" charset="0"/>
-              <a:buChar char="•"/>
-            </a:pPr>
-            <a:r>
-              <a:rPr lang="en-US" dirty="0">
-                <a:cs typeface="Consolas" panose="020B0609020204030204" pitchFamily="49" charset="0"/>
-              </a:rPr>
-              <a:t>rules can be written in any order</a:t>
-            </a:r>
-          </a:p>
-          <a:p>
-            <a:pPr marL="285750" indent="-285750">
-              <a:buFont typeface="Arial" panose="020B0604020202020204" pitchFamily="34" charset="0"/>
-              <a:buChar char="•"/>
-            </a:pPr>
-            <a:r>
-              <a:rPr lang="en-US" dirty="0" err="1">
-                <a:cs typeface="Consolas" panose="020B0609020204030204" pitchFamily="49" charset="0"/>
-              </a:rPr>
-              <a:t>snakemake</a:t>
-            </a:r>
-            <a:r>
-              <a:rPr lang="en-US" dirty="0">
-                <a:cs typeface="Consolas" panose="020B0609020204030204" pitchFamily="49" charset="0"/>
-              </a:rPr>
-              <a:t> figures out which rules need to be run in which order</a:t>
-            </a:r>
-          </a:p>
-        </p:txBody>
-      </p:sp>
-      <p:pic>
-        <p:nvPicPr>
-          <p:cNvPr id="12" name="Picture 11" descr="A screenshot of a computer program&#10;&#10;Description automatically generated">
-            <a:extLst>
-              <a:ext uri="{FF2B5EF4-FFF2-40B4-BE49-F238E27FC236}">
-                <a16:creationId xmlns:a16="http://schemas.microsoft.com/office/drawing/2014/main" id="{37869279-A4D5-937A-23B1-FD82BFF68289}"/>
-              </a:ext>
-            </a:extLst>
-          </p:cNvPr>
-          <p:cNvPicPr>
-            <a:picLocks noChangeAspect="1"/>
-          </p:cNvPicPr>
+            <a:pPr algn="ctr"/>
+            <a:r>
+              <a:rPr lang="en-US" b="1" dirty="0"/>
+              <a:t>rule 1</a:t>
+            </a:r>
+          </a:p>
+        </p:txBody>
+      </p:sp>
+      <p:sp>
+        <p:nvSpPr>
+          <p:cNvPr id="28" name="Rectangle 27">
+            <a:extLst>
+              <a:ext uri="{FF2B5EF4-FFF2-40B4-BE49-F238E27FC236}">
+                <a16:creationId xmlns:a16="http://schemas.microsoft.com/office/drawing/2014/main" id="{FA0579A7-2520-C48E-0E95-CCE38C6D01D8}"/>
+              </a:ext>
+            </a:extLst>
+          </p:cNvPr>
+          <p:cNvSpPr>
+            <a:spLocks noChangeAspect="1"/>
+          </p:cNvSpPr>
           <p:nvPr/>
-        </p:nvPicPr>
-        <p:blipFill>
-          <a:blip r:embed="rId2"/>
-          <a:stretch>
-            <a:fillRect/>
-          </a:stretch>
-        </p:blipFill>
+        </p:nvSpPr>
         <p:spPr>
           <a:xfrm>
-            <a:off x="6010835" y="1257808"/>
-            <a:ext cx="5983941" cy="3858662"/>
+            <a:off x="5569969" y="3959791"/>
+            <a:ext cx="1371600" cy="1354015"/>
           </a:xfrm>
           <a:prstGeom prst="rect">
             <a:avLst/>
           </a:prstGeom>
+          <a:solidFill>
+            <a:schemeClr val="bg1"/>
+          </a:solidFill>
+          <a:ln w="38100"/>
         </p:spPr>
-      </p:pic>
+        <p:style>
+          <a:lnRef idx="2">
+            <a:schemeClr val="accent1">
+              <a:shade val="15000"/>
+            </a:schemeClr>
+          </a:lnRef>
+          <a:fillRef idx="1">
+            <a:schemeClr val="accent1"/>
+          </a:fillRef>
+          <a:effectRef idx="0">
+            <a:schemeClr val="accent1"/>
+          </a:effectRef>
+          <a:fontRef idx="minor">
+            <a:schemeClr val="lt1"/>
+          </a:fontRef>
+        </p:style>
+        <p:txBody>
+          <a:bodyPr rtlCol="0" anchor="ctr"/>
+          <a:lstStyle/>
+          <a:p>
+            <a:pPr algn="ctr"/>
+            <a:endParaRPr lang="en-US" dirty="0"/>
+          </a:p>
+        </p:txBody>
+      </p:sp>
+      <p:sp>
+        <p:nvSpPr>
+          <p:cNvPr id="29" name="TextBox 28">
+            <a:extLst>
+              <a:ext uri="{FF2B5EF4-FFF2-40B4-BE49-F238E27FC236}">
+                <a16:creationId xmlns:a16="http://schemas.microsoft.com/office/drawing/2014/main" id="{ED02D761-0F1B-2558-F6E0-7CC842863EC1}"/>
+              </a:ext>
+            </a:extLst>
+          </p:cNvPr>
+          <p:cNvSpPr txBox="1"/>
+          <p:nvPr/>
+        </p:nvSpPr>
+        <p:spPr>
+          <a:xfrm>
+            <a:off x="5569969" y="3959791"/>
+            <a:ext cx="989373" cy="369332"/>
+          </a:xfrm>
+          <a:prstGeom prst="rect">
+            <a:avLst/>
+          </a:prstGeom>
+          <a:noFill/>
+        </p:spPr>
+        <p:txBody>
+          <a:bodyPr wrap="none" rtlCol="0">
+            <a:spAutoFit/>
+          </a:bodyPr>
+          <a:lstStyle/>
+          <a:p>
+            <a:r>
+              <a:rPr lang="en-US" dirty="0"/>
+              <a:t>DNA seq</a:t>
+            </a:r>
+          </a:p>
+        </p:txBody>
+      </p:sp>
+      <p:cxnSp>
+        <p:nvCxnSpPr>
+          <p:cNvPr id="35" name="Straight Arrow Connector 34">
+            <a:extLst>
+              <a:ext uri="{FF2B5EF4-FFF2-40B4-BE49-F238E27FC236}">
+                <a16:creationId xmlns:a16="http://schemas.microsoft.com/office/drawing/2014/main" id="{87A0B549-C095-9881-89F4-79698334E484}"/>
+              </a:ext>
+            </a:extLst>
+          </p:cNvPr>
+          <p:cNvCxnSpPr>
+            <a:cxnSpLocks/>
+          </p:cNvCxnSpPr>
+          <p:nvPr/>
+        </p:nvCxnSpPr>
+        <p:spPr>
+          <a:xfrm>
+            <a:off x="7392937" y="4378375"/>
+            <a:ext cx="1377537" cy="0"/>
+          </a:xfrm>
+          <a:prstGeom prst="straightConnector1">
+            <a:avLst/>
+          </a:prstGeom>
+          <a:ln w="38100">
+            <a:solidFill>
+              <a:schemeClr val="tx1"/>
+            </a:solidFill>
+            <a:tailEnd type="triangle"/>
+          </a:ln>
+        </p:spPr>
+        <p:style>
+          <a:lnRef idx="1">
+            <a:schemeClr val="accent1"/>
+          </a:lnRef>
+          <a:fillRef idx="0">
+            <a:schemeClr val="accent1"/>
+          </a:fillRef>
+          <a:effectRef idx="0">
+            <a:schemeClr val="accent1"/>
+          </a:effectRef>
+          <a:fontRef idx="minor">
+            <a:schemeClr val="tx1"/>
+          </a:fontRef>
+        </p:style>
+      </p:cxnSp>
+      <p:sp>
+        <p:nvSpPr>
+          <p:cNvPr id="36" name="TextBox 35">
+            <a:extLst>
+              <a:ext uri="{FF2B5EF4-FFF2-40B4-BE49-F238E27FC236}">
+                <a16:creationId xmlns:a16="http://schemas.microsoft.com/office/drawing/2014/main" id="{07AB3E56-5C25-3F05-E935-1DC14A0EB4DA}"/>
+              </a:ext>
+            </a:extLst>
+          </p:cNvPr>
+          <p:cNvSpPr txBox="1"/>
+          <p:nvPr/>
+        </p:nvSpPr>
+        <p:spPr>
+          <a:xfrm>
+            <a:off x="7482214" y="4049738"/>
+            <a:ext cx="1200183" cy="369332"/>
+          </a:xfrm>
+          <a:prstGeom prst="rect">
+            <a:avLst/>
+          </a:prstGeom>
+          <a:noFill/>
+        </p:spPr>
+        <p:txBody>
+          <a:bodyPr wrap="square" rtlCol="0">
+            <a:spAutoFit/>
+          </a:bodyPr>
+          <a:lstStyle/>
+          <a:p>
+            <a:pPr algn="ctr"/>
+            <a:r>
+              <a:rPr lang="en-US" b="1" dirty="0"/>
+              <a:t>rule 2</a:t>
+            </a:r>
+          </a:p>
+        </p:txBody>
+      </p:sp>
+      <p:sp>
+        <p:nvSpPr>
+          <p:cNvPr id="40" name="Rectangle 39">
+            <a:extLst>
+              <a:ext uri="{FF2B5EF4-FFF2-40B4-BE49-F238E27FC236}">
+                <a16:creationId xmlns:a16="http://schemas.microsoft.com/office/drawing/2014/main" id="{803DE90D-38B7-FA26-398F-E4F31EC4F092}"/>
+              </a:ext>
+            </a:extLst>
+          </p:cNvPr>
+          <p:cNvSpPr>
+            <a:spLocks noChangeAspect="1"/>
+          </p:cNvSpPr>
+          <p:nvPr/>
+        </p:nvSpPr>
+        <p:spPr>
+          <a:xfrm>
+            <a:off x="9314213" y="3959791"/>
+            <a:ext cx="1371600" cy="1354015"/>
+          </a:xfrm>
+          <a:prstGeom prst="rect">
+            <a:avLst/>
+          </a:prstGeom>
+          <a:solidFill>
+            <a:schemeClr val="bg1"/>
+          </a:solidFill>
+          <a:ln w="38100"/>
+        </p:spPr>
+        <p:style>
+          <a:lnRef idx="2">
+            <a:schemeClr val="accent1">
+              <a:shade val="15000"/>
+            </a:schemeClr>
+          </a:lnRef>
+          <a:fillRef idx="1">
+            <a:schemeClr val="accent1"/>
+          </a:fillRef>
+          <a:effectRef idx="0">
+            <a:schemeClr val="accent1"/>
+          </a:effectRef>
+          <a:fontRef idx="minor">
+            <a:schemeClr val="lt1"/>
+          </a:fontRef>
+        </p:style>
+        <p:txBody>
+          <a:bodyPr rtlCol="0" anchor="ctr"/>
+          <a:lstStyle/>
+          <a:p>
+            <a:pPr algn="ctr"/>
+            <a:endParaRPr lang="en-US" dirty="0"/>
+          </a:p>
+        </p:txBody>
+      </p:sp>
+      <p:sp>
+        <p:nvSpPr>
+          <p:cNvPr id="41" name="TextBox 40">
+            <a:extLst>
+              <a:ext uri="{FF2B5EF4-FFF2-40B4-BE49-F238E27FC236}">
+                <a16:creationId xmlns:a16="http://schemas.microsoft.com/office/drawing/2014/main" id="{0DC90711-E0CE-E254-B737-C5B246179893}"/>
+              </a:ext>
+            </a:extLst>
+          </p:cNvPr>
+          <p:cNvSpPr txBox="1"/>
+          <p:nvPr/>
+        </p:nvSpPr>
+        <p:spPr>
+          <a:xfrm>
+            <a:off x="9314213" y="3959791"/>
+            <a:ext cx="1200182" cy="646331"/>
+          </a:xfrm>
+          <a:prstGeom prst="rect">
+            <a:avLst/>
+          </a:prstGeom>
+          <a:noFill/>
+        </p:spPr>
+        <p:txBody>
+          <a:bodyPr wrap="square" rtlCol="0">
+            <a:spAutoFit/>
+          </a:bodyPr>
+          <a:lstStyle/>
+          <a:p>
+            <a:r>
+              <a:rPr lang="en-US" dirty="0"/>
+              <a:t>rev. comp. DNA seq</a:t>
+            </a:r>
+          </a:p>
+        </p:txBody>
+      </p:sp>
     </p:spTree>
     <p:extLst>
       <p:ext uri="{BB962C8B-B14F-4D97-AF65-F5344CB8AC3E}">
@@ -12556,16 +13964,289 @@
           <a:p>
             <a:pPr algn="l"/>
             <a:r>
+              <a:rPr lang="en-US" dirty="0" err="1"/>
+              <a:t>Snakemake</a:t>
+            </a:r>
+            <a:r>
               <a:rPr lang="en-US" dirty="0"/>
-              <a:t>See example on cluster</a:t>
-            </a:r>
-          </a:p>
-        </p:txBody>
-      </p:sp>
+              <a:t> example</a:t>
+            </a:r>
+          </a:p>
+        </p:txBody>
+      </p:sp>
+      <p:sp>
+        <p:nvSpPr>
+          <p:cNvPr id="7" name="TextBox 6">
+            <a:extLst>
+              <a:ext uri="{FF2B5EF4-FFF2-40B4-BE49-F238E27FC236}">
+                <a16:creationId xmlns:a16="http://schemas.microsoft.com/office/drawing/2014/main" id="{74798D02-3DA7-A4EF-50FF-85020B9F842D}"/>
+              </a:ext>
+            </a:extLst>
+          </p:cNvPr>
+          <p:cNvSpPr txBox="1"/>
+          <p:nvPr/>
+        </p:nvSpPr>
+        <p:spPr>
+          <a:xfrm>
+            <a:off x="6096" y="1536192"/>
+            <a:ext cx="4894673" cy="923330"/>
+          </a:xfrm>
+          <a:prstGeom prst="rect">
+            <a:avLst/>
+          </a:prstGeom>
+          <a:noFill/>
+        </p:spPr>
+        <p:txBody>
+          <a:bodyPr wrap="none" rtlCol="0">
+            <a:spAutoFit/>
+          </a:bodyPr>
+          <a:lstStyle/>
+          <a:p>
+            <a:r>
+              <a:rPr lang="en-US" dirty="0"/>
+              <a:t>A simple workflow (written by chatGPT4)</a:t>
+            </a:r>
+          </a:p>
+          <a:p>
+            <a:pPr marL="342900" indent="-342900">
+              <a:buFont typeface="+mj-lt"/>
+              <a:buAutoNum type="arabicPeriod"/>
+            </a:pPr>
+            <a:r>
+              <a:rPr lang="en-US" dirty="0"/>
+              <a:t>Convert RNA sequence to DNA sequence</a:t>
+            </a:r>
+          </a:p>
+          <a:p>
+            <a:pPr marL="342900" indent="-342900">
+              <a:buFont typeface="+mj-lt"/>
+              <a:buAutoNum type="arabicPeriod"/>
+            </a:pPr>
+            <a:r>
+              <a:rPr lang="en-US" dirty="0"/>
+              <a:t>Get the reverse complement of DNA sequence</a:t>
+            </a:r>
+          </a:p>
+        </p:txBody>
+      </p:sp>
+      <p:sp>
+        <p:nvSpPr>
+          <p:cNvPr id="2" name="TextBox 1">
+            <a:extLst>
+              <a:ext uri="{FF2B5EF4-FFF2-40B4-BE49-F238E27FC236}">
+                <a16:creationId xmlns:a16="http://schemas.microsoft.com/office/drawing/2014/main" id="{89C95C3B-1D9E-F345-909A-28777C20B5E8}"/>
+              </a:ext>
+            </a:extLst>
+          </p:cNvPr>
+          <p:cNvSpPr txBox="1"/>
+          <p:nvPr/>
+        </p:nvSpPr>
+        <p:spPr>
+          <a:xfrm>
+            <a:off x="6096" y="3229715"/>
+            <a:ext cx="6244016" cy="1477328"/>
+          </a:xfrm>
+          <a:prstGeom prst="rect">
+            <a:avLst/>
+          </a:prstGeom>
+          <a:noFill/>
+        </p:spPr>
+        <p:txBody>
+          <a:bodyPr wrap="square" rtlCol="0">
+            <a:spAutoFit/>
+          </a:bodyPr>
+          <a:lstStyle/>
+          <a:p>
+            <a:r>
+              <a:rPr lang="en-US" dirty="0">
+                <a:cs typeface="Consolas" panose="020B0609020204030204" pitchFamily="49" charset="0"/>
+              </a:rPr>
+              <a:t>Special</a:t>
+            </a:r>
+            <a:r>
+              <a:rPr lang="en-US" dirty="0">
+                <a:latin typeface="Consolas" panose="020B0609020204030204" pitchFamily="49" charset="0"/>
+                <a:cs typeface="Consolas" panose="020B0609020204030204" pitchFamily="49" charset="0"/>
+              </a:rPr>
+              <a:t> rule all</a:t>
+            </a:r>
+          </a:p>
+          <a:p>
+            <a:pPr marL="285750" indent="-285750">
+              <a:buFont typeface="Arial" panose="020B0604020202020204" pitchFamily="34" charset="0"/>
+              <a:buChar char="•"/>
+            </a:pPr>
+            <a:r>
+              <a:rPr lang="en-US" dirty="0"/>
+              <a:t>typically written towards top of file</a:t>
+            </a:r>
+          </a:p>
+          <a:p>
+            <a:pPr marL="285750" indent="-285750">
+              <a:buFont typeface="Arial" panose="020B0604020202020204" pitchFamily="34" charset="0"/>
+              <a:buChar char="•"/>
+            </a:pPr>
+            <a:r>
+              <a:rPr lang="en-US" dirty="0"/>
+              <a:t>final rule, with only </a:t>
+            </a:r>
+            <a:r>
+              <a:rPr lang="en-US" dirty="0">
+                <a:latin typeface="Consolas" panose="020B0609020204030204" pitchFamily="49" charset="0"/>
+                <a:cs typeface="Consolas" panose="020B0609020204030204" pitchFamily="49" charset="0"/>
+              </a:rPr>
+              <a:t>input</a:t>
+            </a:r>
+            <a:r>
+              <a:rPr lang="en-US" dirty="0">
+                <a:latin typeface="+mj-lt"/>
+                <a:cs typeface="Consolas" panose="020B0609020204030204" pitchFamily="49" charset="0"/>
+              </a:rPr>
+              <a:t>: </a:t>
+            </a:r>
+            <a:r>
+              <a:rPr lang="en-US" dirty="0">
+                <a:cs typeface="Consolas" panose="020B0609020204030204" pitchFamily="49" charset="0"/>
+              </a:rPr>
+              <a:t>the final file(s) of the workflow</a:t>
+            </a:r>
+          </a:p>
+          <a:p>
+            <a:pPr marL="285750" indent="-285750">
+              <a:buFont typeface="Arial" panose="020B0604020202020204" pitchFamily="34" charset="0"/>
+              <a:buChar char="•"/>
+            </a:pPr>
+            <a:r>
+              <a:rPr lang="en-US" dirty="0" err="1">
+                <a:cs typeface="Consolas" panose="020B0609020204030204" pitchFamily="49" charset="0"/>
+              </a:rPr>
+              <a:t>Snakemake</a:t>
+            </a:r>
+            <a:r>
+              <a:rPr lang="en-US" dirty="0">
+                <a:cs typeface="Consolas" panose="020B0609020204030204" pitchFamily="49" charset="0"/>
+              </a:rPr>
+              <a:t> figures out which rules need to be run to get file(s) in </a:t>
+            </a:r>
+            <a:r>
+              <a:rPr lang="en-US" dirty="0">
+                <a:latin typeface="Consolas" panose="020B0609020204030204" pitchFamily="49" charset="0"/>
+                <a:cs typeface="Consolas" panose="020B0609020204030204" pitchFamily="49" charset="0"/>
+              </a:rPr>
+              <a:t>rule</a:t>
+            </a:r>
+            <a:r>
+              <a:rPr lang="en-US" dirty="0">
+                <a:cs typeface="Consolas" panose="020B0609020204030204" pitchFamily="49" charset="0"/>
+              </a:rPr>
+              <a:t> </a:t>
+            </a:r>
+            <a:r>
+              <a:rPr lang="en-US" dirty="0">
+                <a:latin typeface="Consolas" panose="020B0609020204030204" pitchFamily="49" charset="0"/>
+                <a:cs typeface="Consolas" panose="020B0609020204030204" pitchFamily="49" charset="0"/>
+              </a:rPr>
+              <a:t>all</a:t>
+            </a:r>
+            <a:endParaRPr lang="en-US" dirty="0">
+              <a:cs typeface="Consolas" panose="020B0609020204030204" pitchFamily="49" charset="0"/>
+            </a:endParaRPr>
+          </a:p>
+        </p:txBody>
+      </p:sp>
+      <p:sp>
+        <p:nvSpPr>
+          <p:cNvPr id="3" name="TextBox 2">
+            <a:extLst>
+              <a:ext uri="{FF2B5EF4-FFF2-40B4-BE49-F238E27FC236}">
+                <a16:creationId xmlns:a16="http://schemas.microsoft.com/office/drawing/2014/main" id="{71A3B4DB-AB45-AD87-56BD-D1F43CE6A00D}"/>
+              </a:ext>
+            </a:extLst>
+          </p:cNvPr>
+          <p:cNvSpPr txBox="1"/>
+          <p:nvPr/>
+        </p:nvSpPr>
+        <p:spPr>
+          <a:xfrm>
+            <a:off x="6096" y="5080272"/>
+            <a:ext cx="5789062" cy="1200329"/>
+          </a:xfrm>
+          <a:prstGeom prst="rect">
+            <a:avLst/>
+          </a:prstGeom>
+          <a:noFill/>
+        </p:spPr>
+        <p:txBody>
+          <a:bodyPr wrap="square" rtlCol="0">
+            <a:spAutoFit/>
+          </a:bodyPr>
+          <a:lstStyle/>
+          <a:p>
+            <a:pPr marL="285750" indent="-285750">
+              <a:buFont typeface="Arial" panose="020B0604020202020204" pitchFamily="34" charset="0"/>
+              <a:buChar char="•"/>
+            </a:pPr>
+            <a:r>
+              <a:rPr lang="en-US" dirty="0">
+                <a:cs typeface="Consolas" panose="020B0609020204030204" pitchFamily="49" charset="0"/>
+              </a:rPr>
+              <a:t>all other rules can be written in any order, named anything</a:t>
+            </a:r>
+          </a:p>
+          <a:p>
+            <a:pPr marL="285750" indent="-285750">
+              <a:buFont typeface="Arial" panose="020B0604020202020204" pitchFamily="34" charset="0"/>
+              <a:buChar char="•"/>
+            </a:pPr>
+            <a:r>
+              <a:rPr lang="en-US" dirty="0" err="1">
+                <a:cs typeface="Consolas" panose="020B0609020204030204" pitchFamily="49" charset="0"/>
+              </a:rPr>
+              <a:t>snakemake</a:t>
+            </a:r>
+            <a:r>
+              <a:rPr lang="en-US" dirty="0">
+                <a:cs typeface="Consolas" panose="020B0609020204030204" pitchFamily="49" charset="0"/>
+              </a:rPr>
+              <a:t> figures out which rules need to be run in which order</a:t>
+            </a:r>
+          </a:p>
+        </p:txBody>
+      </p:sp>
+      <p:pic>
+        <p:nvPicPr>
+          <p:cNvPr id="12" name="Picture 11" descr="A screenshot of a computer program&#10;&#10;Description automatically generated">
+            <a:extLst>
+              <a:ext uri="{FF2B5EF4-FFF2-40B4-BE49-F238E27FC236}">
+                <a16:creationId xmlns:a16="http://schemas.microsoft.com/office/drawing/2014/main" id="{37869279-A4D5-937A-23B1-FD82BFF68289}"/>
+              </a:ext>
+            </a:extLst>
+          </p:cNvPr>
+          <p:cNvPicPr>
+            <a:picLocks noChangeAspect="1"/>
+          </p:cNvPicPr>
+          <p:nvPr/>
+        </p:nvPicPr>
+        <p:blipFill>
+          <a:blip r:embed="rId2"/>
+          <a:stretch>
+            <a:fillRect/>
+          </a:stretch>
+        </p:blipFill>
+        <p:spPr>
+          <a:xfrm>
+            <a:off x="6010835" y="1257808"/>
+            <a:ext cx="5983941" cy="3858662"/>
+          </a:xfrm>
+          <a:prstGeom prst="rect">
+            <a:avLst/>
+          </a:prstGeom>
+        </p:spPr>
+      </p:pic>
     </p:spTree>
     <p:extLst>
       <p:ext uri="{BB962C8B-B14F-4D97-AF65-F5344CB8AC3E}">
-        <p14:creationId xmlns:p14="http://schemas.microsoft.com/office/powerpoint/2010/main" val="3049822929"/>
+        <p14:creationId xmlns:p14="http://schemas.microsoft.com/office/powerpoint/2010/main" val="2440664506"/>
       </p:ext>
     </p:extLst>
   </p:cSld>
@@ -12642,237 +14323,16 @@
           <a:p>
             <a:pPr algn="l"/>
             <a:r>
-              <a:rPr lang="en-US" dirty="0" err="1"/>
-              <a:t>Snakemake</a:t>
-            </a:r>
-            <a:r>
               <a:rPr lang="en-US" dirty="0"/>
-              <a:t> (advanced)</a:t>
-            </a:r>
-          </a:p>
-        </p:txBody>
-      </p:sp>
-      <p:sp>
-        <p:nvSpPr>
-          <p:cNvPr id="7" name="TextBox 6">
-            <a:extLst>
-              <a:ext uri="{FF2B5EF4-FFF2-40B4-BE49-F238E27FC236}">
-                <a16:creationId xmlns:a16="http://schemas.microsoft.com/office/drawing/2014/main" id="{74798D02-3DA7-A4EF-50FF-85020B9F842D}"/>
-              </a:ext>
-            </a:extLst>
-          </p:cNvPr>
-          <p:cNvSpPr txBox="1"/>
-          <p:nvPr/>
-        </p:nvSpPr>
-        <p:spPr>
-          <a:xfrm>
-            <a:off x="283464" y="1188720"/>
-            <a:ext cx="7337265" cy="1477328"/>
-          </a:xfrm>
-          <a:prstGeom prst="rect">
-            <a:avLst/>
-          </a:prstGeom>
-          <a:noFill/>
-        </p:spPr>
-        <p:txBody>
-          <a:bodyPr wrap="none" rtlCol="0">
-            <a:spAutoFit/>
-          </a:bodyPr>
-          <a:lstStyle/>
-          <a:p>
-            <a:pPr lvl="1"/>
-            <a:endParaRPr lang="en-US" dirty="0"/>
-          </a:p>
-          <a:p>
-            <a:pPr marL="285750" indent="-285750">
-              <a:buFont typeface="Arial" panose="020B0604020202020204" pitchFamily="34" charset="0"/>
-              <a:buChar char="•"/>
-            </a:pPr>
-            <a:r>
-              <a:rPr lang="en-US" dirty="0" err="1"/>
-              <a:t>Snakemake</a:t>
-            </a:r>
-            <a:r>
-              <a:rPr lang="en-US" dirty="0"/>
-              <a:t> can handle many samples or data sets, using ‘wildcards’</a:t>
-            </a:r>
-          </a:p>
-          <a:p>
-            <a:pPr marL="285750" indent="-285750">
-              <a:buFont typeface="Arial" panose="020B0604020202020204" pitchFamily="34" charset="0"/>
-              <a:buChar char="•"/>
-            </a:pPr>
-            <a:r>
-              <a:rPr lang="en-US" dirty="0"/>
-              <a:t>‘wildcards’ can be used to expand rules across multiple samples</a:t>
-            </a:r>
-          </a:p>
-          <a:p>
-            <a:pPr marL="285750" indent="-285750">
-              <a:buFont typeface="Arial" panose="020B0604020202020204" pitchFamily="34" charset="0"/>
-              <a:buChar char="•"/>
-            </a:pPr>
-            <a:r>
-              <a:rPr lang="en-US" dirty="0">
-                <a:cs typeface="Consolas" panose="020B0609020204030204" pitchFamily="49" charset="0"/>
-              </a:rPr>
-              <a:t>Use </a:t>
-            </a:r>
-            <a:r>
-              <a:rPr lang="en-US" dirty="0">
-                <a:highlight>
-                  <a:srgbClr val="C0C0C0"/>
-                </a:highlight>
-                <a:latin typeface="Consolas" panose="020B0609020204030204" pitchFamily="49" charset="0"/>
-                <a:cs typeface="Consolas" panose="020B0609020204030204" pitchFamily="49" charset="0"/>
-              </a:rPr>
-              <a:t>expand('</a:t>
-            </a:r>
-            <a:r>
-              <a:rPr lang="en-US" dirty="0" err="1">
-                <a:highlight>
-                  <a:srgbClr val="C0C0C0"/>
-                </a:highlight>
-                <a:latin typeface="Consolas" panose="020B0609020204030204" pitchFamily="49" charset="0"/>
-                <a:cs typeface="Consolas" panose="020B0609020204030204" pitchFamily="49" charset="0"/>
-              </a:rPr>
-              <a:t>somedir</a:t>
-            </a:r>
-            <a:r>
-              <a:rPr lang="en-US" dirty="0">
-                <a:highlight>
-                  <a:srgbClr val="C0C0C0"/>
-                </a:highlight>
-                <a:latin typeface="Consolas" panose="020B0609020204030204" pitchFamily="49" charset="0"/>
-                <a:cs typeface="Consolas" panose="020B0609020204030204" pitchFamily="49" charset="0"/>
-              </a:rPr>
-              <a:t>/{sample}.txt, sample=SAMPLE_NAMES)</a:t>
-            </a:r>
-            <a:r>
-              <a:rPr lang="en-US" b="0" i="0" dirty="0">
-                <a:effectLst/>
-                <a:highlight>
-                  <a:srgbClr val="C0C0C0"/>
-                </a:highlight>
-                <a:latin typeface="Consolas" panose="020B0609020204030204" pitchFamily="49" charset="0"/>
-                <a:cs typeface="Consolas" panose="020B0609020204030204" pitchFamily="49" charset="0"/>
-              </a:rPr>
-              <a:t>)</a:t>
-            </a:r>
-          </a:p>
-          <a:p>
-            <a:pPr marL="742950" lvl="1" indent="-285750">
-              <a:buFont typeface="Arial" panose="020B0604020202020204" pitchFamily="34" charset="0"/>
-              <a:buChar char="•"/>
-            </a:pPr>
-            <a:r>
-              <a:rPr lang="en-US" dirty="0">
-                <a:cs typeface="Consolas" panose="020B0609020204030204" pitchFamily="49" charset="0"/>
-              </a:rPr>
-              <a:t>Where SAMPLES is a list of sample names that we made</a:t>
-            </a:r>
-          </a:p>
-        </p:txBody>
-      </p:sp>
-      <p:sp>
-        <p:nvSpPr>
-          <p:cNvPr id="8" name="TextBox 7">
-            <a:extLst>
-              <a:ext uri="{FF2B5EF4-FFF2-40B4-BE49-F238E27FC236}">
-                <a16:creationId xmlns:a16="http://schemas.microsoft.com/office/drawing/2014/main" id="{24CF60C3-4521-B2B5-A9FA-563A4525F050}"/>
-              </a:ext>
-            </a:extLst>
-          </p:cNvPr>
-          <p:cNvSpPr txBox="1"/>
-          <p:nvPr/>
-        </p:nvSpPr>
-        <p:spPr>
-          <a:xfrm>
-            <a:off x="7787825" y="3949183"/>
-            <a:ext cx="343364" cy="369332"/>
-          </a:xfrm>
-          <a:prstGeom prst="rect">
-            <a:avLst/>
-          </a:prstGeom>
-          <a:noFill/>
-        </p:spPr>
-        <p:txBody>
-          <a:bodyPr wrap="none" rtlCol="0">
-            <a:spAutoFit/>
-          </a:bodyPr>
-          <a:lstStyle/>
-          <a:p>
-            <a:r>
-              <a:rPr lang="en-US" dirty="0"/>
-              <a:t>…</a:t>
-            </a:r>
-          </a:p>
-        </p:txBody>
-      </p:sp>
-      <p:pic>
-        <p:nvPicPr>
-          <p:cNvPr id="11" name="Picture 10" descr="A screen shot of a computer program&#10;&#10;Description automatically generated">
-            <a:extLst>
-              <a:ext uri="{FF2B5EF4-FFF2-40B4-BE49-F238E27FC236}">
-                <a16:creationId xmlns:a16="http://schemas.microsoft.com/office/drawing/2014/main" id="{9A0F7CA3-C378-DABF-06CB-2B2AC57DC027}"/>
-              </a:ext>
-            </a:extLst>
-          </p:cNvPr>
-          <p:cNvPicPr>
-            <a:picLocks noChangeAspect="1"/>
-          </p:cNvPicPr>
-          <p:nvPr/>
-        </p:nvPicPr>
-        <p:blipFill>
-          <a:blip r:embed="rId3"/>
-          <a:stretch>
-            <a:fillRect/>
-          </a:stretch>
-        </p:blipFill>
-        <p:spPr>
-          <a:xfrm>
-            <a:off x="4073307" y="4436997"/>
-            <a:ext cx="7772400" cy="2227603"/>
-          </a:xfrm>
-          <a:prstGeom prst="rect">
-            <a:avLst/>
-          </a:prstGeom>
-        </p:spPr>
-      </p:pic>
-      <p:pic>
-        <p:nvPicPr>
-          <p:cNvPr id="13" name="Picture 12">
-            <a:extLst>
-              <a:ext uri="{FF2B5EF4-FFF2-40B4-BE49-F238E27FC236}">
-                <a16:creationId xmlns:a16="http://schemas.microsoft.com/office/drawing/2014/main" id="{CDAFD291-813C-F185-775E-400D9123423E}"/>
-              </a:ext>
-            </a:extLst>
-          </p:cNvPr>
-          <p:cNvPicPr>
-            <a:picLocks noChangeAspect="1"/>
-          </p:cNvPicPr>
-          <p:nvPr/>
-        </p:nvPicPr>
-        <p:blipFill>
-          <a:blip r:embed="rId4"/>
-          <a:stretch>
-            <a:fillRect/>
-          </a:stretch>
-        </p:blipFill>
-        <p:spPr>
-          <a:xfrm>
-            <a:off x="3834733" y="3568630"/>
-            <a:ext cx="8249548" cy="262071"/>
-          </a:xfrm>
-          <a:prstGeom prst="rect">
-            <a:avLst/>
-          </a:prstGeom>
-        </p:spPr>
-      </p:pic>
+              <a:t>See example on cluster</a:t>
+            </a:r>
+          </a:p>
+        </p:txBody>
+      </p:sp>
     </p:spTree>
     <p:extLst>
       <p:ext uri="{BB962C8B-B14F-4D97-AF65-F5344CB8AC3E}">
-        <p14:creationId xmlns:p14="http://schemas.microsoft.com/office/powerpoint/2010/main" val="580743489"/>
+        <p14:creationId xmlns:p14="http://schemas.microsoft.com/office/powerpoint/2010/main" val="3049822929"/>
       </p:ext>
     </p:extLst>
   </p:cSld>
@@ -12949,16 +14409,245 @@
           <a:p>
             <a:pPr algn="l"/>
             <a:r>
+              <a:rPr lang="en-US" dirty="0" err="1"/>
+              <a:t>Snakemake</a:t>
+            </a:r>
+            <a:r>
               <a:rPr lang="en-US" dirty="0"/>
-              <a:t>See example on cluster</a:t>
-            </a:r>
-          </a:p>
-        </p:txBody>
-      </p:sp>
+              <a:t> (advanced)</a:t>
+            </a:r>
+          </a:p>
+        </p:txBody>
+      </p:sp>
+      <p:sp>
+        <p:nvSpPr>
+          <p:cNvPr id="7" name="TextBox 6">
+            <a:extLst>
+              <a:ext uri="{FF2B5EF4-FFF2-40B4-BE49-F238E27FC236}">
+                <a16:creationId xmlns:a16="http://schemas.microsoft.com/office/drawing/2014/main" id="{74798D02-3DA7-A4EF-50FF-85020B9F842D}"/>
+              </a:ext>
+            </a:extLst>
+          </p:cNvPr>
+          <p:cNvSpPr txBox="1"/>
+          <p:nvPr/>
+        </p:nvSpPr>
+        <p:spPr>
+          <a:xfrm>
+            <a:off x="283464" y="1188720"/>
+            <a:ext cx="7337265" cy="1477328"/>
+          </a:xfrm>
+          <a:prstGeom prst="rect">
+            <a:avLst/>
+          </a:prstGeom>
+          <a:noFill/>
+        </p:spPr>
+        <p:txBody>
+          <a:bodyPr wrap="none" rtlCol="0">
+            <a:spAutoFit/>
+          </a:bodyPr>
+          <a:lstStyle/>
+          <a:p>
+            <a:pPr lvl="1"/>
+            <a:endParaRPr lang="en-US" dirty="0"/>
+          </a:p>
+          <a:p>
+            <a:pPr marL="285750" indent="-285750">
+              <a:buFont typeface="Arial" panose="020B0604020202020204" pitchFamily="34" charset="0"/>
+              <a:buChar char="•"/>
+            </a:pPr>
+            <a:r>
+              <a:rPr lang="en-US" dirty="0" err="1"/>
+              <a:t>Snakemake</a:t>
+            </a:r>
+            <a:r>
+              <a:rPr lang="en-US" dirty="0"/>
+              <a:t> can handle many files or data sets, using ‘wildcards’</a:t>
+            </a:r>
+          </a:p>
+          <a:p>
+            <a:pPr marL="285750" indent="-285750">
+              <a:buFont typeface="Arial" panose="020B0604020202020204" pitchFamily="34" charset="0"/>
+              <a:buChar char="•"/>
+            </a:pPr>
+            <a:r>
+              <a:rPr lang="en-US" dirty="0"/>
+              <a:t>‘wildcards’ can be used to </a:t>
+            </a:r>
+            <a:r>
+              <a:rPr lang="en-US" b="1" dirty="0"/>
+              <a:t>expand</a:t>
+            </a:r>
+            <a:r>
+              <a:rPr lang="en-US" dirty="0"/>
+              <a:t> rules across multiple samples</a:t>
+            </a:r>
+          </a:p>
+          <a:p>
+            <a:pPr marL="285750" indent="-285750">
+              <a:buFont typeface="Arial" panose="020B0604020202020204" pitchFamily="34" charset="0"/>
+              <a:buChar char="•"/>
+            </a:pPr>
+            <a:r>
+              <a:rPr lang="en-US" dirty="0">
+                <a:cs typeface="Consolas" panose="020B0609020204030204" pitchFamily="49" charset="0"/>
+              </a:rPr>
+              <a:t>Use </a:t>
+            </a:r>
+            <a:r>
+              <a:rPr lang="en-US" dirty="0">
+                <a:highlight>
+                  <a:srgbClr val="C0C0C0"/>
+                </a:highlight>
+                <a:latin typeface="Consolas" panose="020B0609020204030204" pitchFamily="49" charset="0"/>
+                <a:cs typeface="Consolas" panose="020B0609020204030204" pitchFamily="49" charset="0"/>
+              </a:rPr>
+              <a:t>expand('</a:t>
+            </a:r>
+            <a:r>
+              <a:rPr lang="en-US" dirty="0" err="1">
+                <a:highlight>
+                  <a:srgbClr val="C0C0C0"/>
+                </a:highlight>
+                <a:latin typeface="Consolas" panose="020B0609020204030204" pitchFamily="49" charset="0"/>
+                <a:cs typeface="Consolas" panose="020B0609020204030204" pitchFamily="49" charset="0"/>
+              </a:rPr>
+              <a:t>somedir</a:t>
+            </a:r>
+            <a:r>
+              <a:rPr lang="en-US" dirty="0">
+                <a:highlight>
+                  <a:srgbClr val="C0C0C0"/>
+                </a:highlight>
+                <a:latin typeface="Consolas" panose="020B0609020204030204" pitchFamily="49" charset="0"/>
+                <a:cs typeface="Consolas" panose="020B0609020204030204" pitchFamily="49" charset="0"/>
+              </a:rPr>
+              <a:t>/{sample}.txt, sample=SAMPLE_NAMES)</a:t>
+            </a:r>
+            <a:r>
+              <a:rPr lang="en-US" b="0" i="0" dirty="0">
+                <a:effectLst/>
+                <a:highlight>
+                  <a:srgbClr val="C0C0C0"/>
+                </a:highlight>
+                <a:latin typeface="Consolas" panose="020B0609020204030204" pitchFamily="49" charset="0"/>
+                <a:cs typeface="Consolas" panose="020B0609020204030204" pitchFamily="49" charset="0"/>
+              </a:rPr>
+              <a:t>)</a:t>
+            </a:r>
+          </a:p>
+          <a:p>
+            <a:pPr marL="742950" lvl="1" indent="-285750">
+              <a:buFont typeface="Arial" panose="020B0604020202020204" pitchFamily="34" charset="0"/>
+              <a:buChar char="•"/>
+            </a:pPr>
+            <a:r>
+              <a:rPr lang="en-US" dirty="0">
+                <a:cs typeface="Consolas" panose="020B0609020204030204" pitchFamily="49" charset="0"/>
+              </a:rPr>
+              <a:t>Where SAMPLES is a list of sample names that we made</a:t>
+            </a:r>
+          </a:p>
+        </p:txBody>
+      </p:sp>
+      <p:sp>
+        <p:nvSpPr>
+          <p:cNvPr id="8" name="TextBox 7">
+            <a:extLst>
+              <a:ext uri="{FF2B5EF4-FFF2-40B4-BE49-F238E27FC236}">
+                <a16:creationId xmlns:a16="http://schemas.microsoft.com/office/drawing/2014/main" id="{24CF60C3-4521-B2B5-A9FA-563A4525F050}"/>
+              </a:ext>
+            </a:extLst>
+          </p:cNvPr>
+          <p:cNvSpPr txBox="1"/>
+          <p:nvPr/>
+        </p:nvSpPr>
+        <p:spPr>
+          <a:xfrm>
+            <a:off x="7787825" y="3949183"/>
+            <a:ext cx="343364" cy="369332"/>
+          </a:xfrm>
+          <a:prstGeom prst="rect">
+            <a:avLst/>
+          </a:prstGeom>
+          <a:noFill/>
+        </p:spPr>
+        <p:txBody>
+          <a:bodyPr wrap="none" rtlCol="0">
+            <a:spAutoFit/>
+          </a:bodyPr>
+          <a:lstStyle/>
+          <a:p>
+            <a:r>
+              <a:rPr lang="en-US" dirty="0"/>
+              <a:t>…</a:t>
+            </a:r>
+          </a:p>
+        </p:txBody>
+      </p:sp>
+      <p:pic>
+        <p:nvPicPr>
+          <p:cNvPr id="11" name="Picture 10" descr="A screen shot of a computer program&#10;&#10;Description automatically generated">
+            <a:extLst>
+              <a:ext uri="{FF2B5EF4-FFF2-40B4-BE49-F238E27FC236}">
+                <a16:creationId xmlns:a16="http://schemas.microsoft.com/office/drawing/2014/main" id="{9A0F7CA3-C378-DABF-06CB-2B2AC57DC027}"/>
+              </a:ext>
+            </a:extLst>
+          </p:cNvPr>
+          <p:cNvPicPr>
+            <a:picLocks noChangeAspect="1"/>
+          </p:cNvPicPr>
+          <p:nvPr/>
+        </p:nvPicPr>
+        <p:blipFill>
+          <a:blip r:embed="rId3"/>
+          <a:stretch>
+            <a:fillRect/>
+          </a:stretch>
+        </p:blipFill>
+        <p:spPr>
+          <a:xfrm>
+            <a:off x="4073307" y="4436997"/>
+            <a:ext cx="7772400" cy="2227603"/>
+          </a:xfrm>
+          <a:prstGeom prst="rect">
+            <a:avLst/>
+          </a:prstGeom>
+        </p:spPr>
+      </p:pic>
+      <p:pic>
+        <p:nvPicPr>
+          <p:cNvPr id="13" name="Picture 12">
+            <a:extLst>
+              <a:ext uri="{FF2B5EF4-FFF2-40B4-BE49-F238E27FC236}">
+                <a16:creationId xmlns:a16="http://schemas.microsoft.com/office/drawing/2014/main" id="{CDAFD291-813C-F185-775E-400D9123423E}"/>
+              </a:ext>
+            </a:extLst>
+          </p:cNvPr>
+          <p:cNvPicPr>
+            <a:picLocks noChangeAspect="1"/>
+          </p:cNvPicPr>
+          <p:nvPr/>
+        </p:nvPicPr>
+        <p:blipFill>
+          <a:blip r:embed="rId4"/>
+          <a:stretch>
+            <a:fillRect/>
+          </a:stretch>
+        </p:blipFill>
+        <p:spPr>
+          <a:xfrm>
+            <a:off x="3834733" y="3568630"/>
+            <a:ext cx="8249548" cy="262071"/>
+          </a:xfrm>
+          <a:prstGeom prst="rect">
+            <a:avLst/>
+          </a:prstGeom>
+        </p:spPr>
+      </p:pic>
     </p:spTree>
     <p:extLst>
       <p:ext uri="{BB962C8B-B14F-4D97-AF65-F5344CB8AC3E}">
-        <p14:creationId xmlns:p14="http://schemas.microsoft.com/office/powerpoint/2010/main" val="933740847"/>
+        <p14:creationId xmlns:p14="http://schemas.microsoft.com/office/powerpoint/2010/main" val="580743489"/>
       </p:ext>
     </p:extLst>
   </p:cSld>

--- a/slides/part2_snakemake.pptx
+++ b/slides/part2_snakemake.pptx
@@ -223,7 +223,7 @@
           <a:p>
             <a:fld id="{E3F296CD-6E58-DC4E-A0EB-CDC3D8FD3BFA}" type="datetimeFigureOut">
               <a:rPr lang="en-US" smtClean="0"/>
-              <a:t>1/23/24</a:t>
+              <a:t>1/31/24</a:t>
             </a:fld>
             <a:endParaRPr lang="en-US"/>
           </a:p>
@@ -1558,7 +1558,7 @@
           <a:p>
             <a:fld id="{241C2AFF-2713-CE47-B7A0-9D68EEB70F09}" type="datetimeFigureOut">
               <a:rPr lang="en-US" smtClean="0"/>
-              <a:t>1/23/24</a:t>
+              <a:t>1/31/24</a:t>
             </a:fld>
             <a:endParaRPr lang="en-US"/>
           </a:p>
@@ -1756,7 +1756,7 @@
           <a:p>
             <a:fld id="{241C2AFF-2713-CE47-B7A0-9D68EEB70F09}" type="datetimeFigureOut">
               <a:rPr lang="en-US" smtClean="0"/>
-              <a:t>1/23/24</a:t>
+              <a:t>1/31/24</a:t>
             </a:fld>
             <a:endParaRPr lang="en-US"/>
           </a:p>
@@ -1964,7 +1964,7 @@
           <a:p>
             <a:fld id="{241C2AFF-2713-CE47-B7A0-9D68EEB70F09}" type="datetimeFigureOut">
               <a:rPr lang="en-US" smtClean="0"/>
-              <a:t>1/23/24</a:t>
+              <a:t>1/31/24</a:t>
             </a:fld>
             <a:endParaRPr lang="en-US"/>
           </a:p>
@@ -2162,7 +2162,7 @@
           <a:p>
             <a:fld id="{241C2AFF-2713-CE47-B7A0-9D68EEB70F09}" type="datetimeFigureOut">
               <a:rPr lang="en-US" smtClean="0"/>
-              <a:t>1/23/24</a:t>
+              <a:t>1/31/24</a:t>
             </a:fld>
             <a:endParaRPr lang="en-US"/>
           </a:p>
@@ -2437,7 +2437,7 @@
           <a:p>
             <a:fld id="{241C2AFF-2713-CE47-B7A0-9D68EEB70F09}" type="datetimeFigureOut">
               <a:rPr lang="en-US" smtClean="0"/>
-              <a:t>1/23/24</a:t>
+              <a:t>1/31/24</a:t>
             </a:fld>
             <a:endParaRPr lang="en-US"/>
           </a:p>
@@ -2702,7 +2702,7 @@
           <a:p>
             <a:fld id="{241C2AFF-2713-CE47-B7A0-9D68EEB70F09}" type="datetimeFigureOut">
               <a:rPr lang="en-US" smtClean="0"/>
-              <a:t>1/23/24</a:t>
+              <a:t>1/31/24</a:t>
             </a:fld>
             <a:endParaRPr lang="en-US"/>
           </a:p>
@@ -3114,7 +3114,7 @@
           <a:p>
             <a:fld id="{241C2AFF-2713-CE47-B7A0-9D68EEB70F09}" type="datetimeFigureOut">
               <a:rPr lang="en-US" smtClean="0"/>
-              <a:t>1/23/24</a:t>
+              <a:t>1/31/24</a:t>
             </a:fld>
             <a:endParaRPr lang="en-US"/>
           </a:p>
@@ -3255,7 +3255,7 @@
           <a:p>
             <a:fld id="{241C2AFF-2713-CE47-B7A0-9D68EEB70F09}" type="datetimeFigureOut">
               <a:rPr lang="en-US" smtClean="0"/>
-              <a:t>1/23/24</a:t>
+              <a:t>1/31/24</a:t>
             </a:fld>
             <a:endParaRPr lang="en-US"/>
           </a:p>
@@ -3368,7 +3368,7 @@
           <a:p>
             <a:fld id="{241C2AFF-2713-CE47-B7A0-9D68EEB70F09}" type="datetimeFigureOut">
               <a:rPr lang="en-US" smtClean="0"/>
-              <a:t>1/23/24</a:t>
+              <a:t>1/31/24</a:t>
             </a:fld>
             <a:endParaRPr lang="en-US"/>
           </a:p>
@@ -3679,7 +3679,7 @@
           <a:p>
             <a:fld id="{241C2AFF-2713-CE47-B7A0-9D68EEB70F09}" type="datetimeFigureOut">
               <a:rPr lang="en-US" smtClean="0"/>
-              <a:t>1/23/24</a:t>
+              <a:t>1/31/24</a:t>
             </a:fld>
             <a:endParaRPr lang="en-US"/>
           </a:p>
@@ -3967,7 +3967,7 @@
           <a:p>
             <a:fld id="{241C2AFF-2713-CE47-B7A0-9D68EEB70F09}" type="datetimeFigureOut">
               <a:rPr lang="en-US" smtClean="0"/>
-              <a:t>1/23/24</a:t>
+              <a:t>1/31/24</a:t>
             </a:fld>
             <a:endParaRPr lang="en-US"/>
           </a:p>
@@ -4208,7 +4208,7 @@
           <a:p>
             <a:fld id="{241C2AFF-2713-CE47-B7A0-9D68EEB70F09}" type="datetimeFigureOut">
               <a:rPr lang="en-US" smtClean="0"/>
-              <a:t>1/23/24</a:t>
+              <a:t>1/31/24</a:t>
             </a:fld>
             <a:endParaRPr lang="en-US"/>
           </a:p>
@@ -10452,7 +10452,7 @@
         <p:spPr>
           <a:xfrm>
             <a:off x="5494390" y="5040443"/>
-            <a:ext cx="1200183" cy="1200329"/>
+            <a:ext cx="1200183" cy="923330"/>
           </a:xfrm>
           <a:prstGeom prst="rect">
             <a:avLst/>
@@ -10475,7 +10475,7 @@
             <a:pPr algn="ctr"/>
             <a:r>
               <a:rPr lang="en-US" dirty="0"/>
-              <a:t>runs command on each</a:t>
+              <a:t>runs command </a:t>
             </a:r>
           </a:p>
         </p:txBody>

--- a/slides/part2_snakemake.pptx
+++ b/slides/part2_snakemake.pptx
@@ -223,7 +223,7 @@
           <a:p>
             <a:fld id="{E3F296CD-6E58-DC4E-A0EB-CDC3D8FD3BFA}" type="datetimeFigureOut">
               <a:rPr lang="en-US" smtClean="0"/>
-              <a:t>1/31/24</a:t>
+              <a:t>2/2/24</a:t>
             </a:fld>
             <a:endParaRPr lang="en-US"/>
           </a:p>
@@ -1558,7 +1558,7 @@
           <a:p>
             <a:fld id="{241C2AFF-2713-CE47-B7A0-9D68EEB70F09}" type="datetimeFigureOut">
               <a:rPr lang="en-US" smtClean="0"/>
-              <a:t>1/31/24</a:t>
+              <a:t>2/2/24</a:t>
             </a:fld>
             <a:endParaRPr lang="en-US"/>
           </a:p>
@@ -1756,7 +1756,7 @@
           <a:p>
             <a:fld id="{241C2AFF-2713-CE47-B7A0-9D68EEB70F09}" type="datetimeFigureOut">
               <a:rPr lang="en-US" smtClean="0"/>
-              <a:t>1/31/24</a:t>
+              <a:t>2/2/24</a:t>
             </a:fld>
             <a:endParaRPr lang="en-US"/>
           </a:p>
@@ -1964,7 +1964,7 @@
           <a:p>
             <a:fld id="{241C2AFF-2713-CE47-B7A0-9D68EEB70F09}" type="datetimeFigureOut">
               <a:rPr lang="en-US" smtClean="0"/>
-              <a:t>1/31/24</a:t>
+              <a:t>2/2/24</a:t>
             </a:fld>
             <a:endParaRPr lang="en-US"/>
           </a:p>
@@ -2162,7 +2162,7 @@
           <a:p>
             <a:fld id="{241C2AFF-2713-CE47-B7A0-9D68EEB70F09}" type="datetimeFigureOut">
               <a:rPr lang="en-US" smtClean="0"/>
-              <a:t>1/31/24</a:t>
+              <a:t>2/2/24</a:t>
             </a:fld>
             <a:endParaRPr lang="en-US"/>
           </a:p>
@@ -2437,7 +2437,7 @@
           <a:p>
             <a:fld id="{241C2AFF-2713-CE47-B7A0-9D68EEB70F09}" type="datetimeFigureOut">
               <a:rPr lang="en-US" smtClean="0"/>
-              <a:t>1/31/24</a:t>
+              <a:t>2/2/24</a:t>
             </a:fld>
             <a:endParaRPr lang="en-US"/>
           </a:p>
@@ -2702,7 +2702,7 @@
           <a:p>
             <a:fld id="{241C2AFF-2713-CE47-B7A0-9D68EEB70F09}" type="datetimeFigureOut">
               <a:rPr lang="en-US" smtClean="0"/>
-              <a:t>1/31/24</a:t>
+              <a:t>2/2/24</a:t>
             </a:fld>
             <a:endParaRPr lang="en-US"/>
           </a:p>
@@ -3114,7 +3114,7 @@
           <a:p>
             <a:fld id="{241C2AFF-2713-CE47-B7A0-9D68EEB70F09}" type="datetimeFigureOut">
               <a:rPr lang="en-US" smtClean="0"/>
-              <a:t>1/31/24</a:t>
+              <a:t>2/2/24</a:t>
             </a:fld>
             <a:endParaRPr lang="en-US"/>
           </a:p>
@@ -3255,7 +3255,7 @@
           <a:p>
             <a:fld id="{241C2AFF-2713-CE47-B7A0-9D68EEB70F09}" type="datetimeFigureOut">
               <a:rPr lang="en-US" smtClean="0"/>
-              <a:t>1/31/24</a:t>
+              <a:t>2/2/24</a:t>
             </a:fld>
             <a:endParaRPr lang="en-US"/>
           </a:p>
@@ -3368,7 +3368,7 @@
           <a:p>
             <a:fld id="{241C2AFF-2713-CE47-B7A0-9D68EEB70F09}" type="datetimeFigureOut">
               <a:rPr lang="en-US" smtClean="0"/>
-              <a:t>1/31/24</a:t>
+              <a:t>2/2/24</a:t>
             </a:fld>
             <a:endParaRPr lang="en-US"/>
           </a:p>
@@ -3679,7 +3679,7 @@
           <a:p>
             <a:fld id="{241C2AFF-2713-CE47-B7A0-9D68EEB70F09}" type="datetimeFigureOut">
               <a:rPr lang="en-US" smtClean="0"/>
-              <a:t>1/31/24</a:t>
+              <a:t>2/2/24</a:t>
             </a:fld>
             <a:endParaRPr lang="en-US"/>
           </a:p>
@@ -3967,7 +3967,7 @@
           <a:p>
             <a:fld id="{241C2AFF-2713-CE47-B7A0-9D68EEB70F09}" type="datetimeFigureOut">
               <a:rPr lang="en-US" smtClean="0"/>
-              <a:t>1/31/24</a:t>
+              <a:t>2/2/24</a:t>
             </a:fld>
             <a:endParaRPr lang="en-US"/>
           </a:p>
@@ -4208,7 +4208,7 @@
           <a:p>
             <a:fld id="{241C2AFF-2713-CE47-B7A0-9D68EEB70F09}" type="datetimeFigureOut">
               <a:rPr lang="en-US" smtClean="0"/>
-              <a:t>1/31/24</a:t>
+              <a:t>2/2/24</a:t>
             </a:fld>
             <a:endParaRPr lang="en-US"/>
           </a:p>
@@ -10713,7 +10713,15 @@
             </a:r>
             <a:r>
               <a:rPr lang="en-US" sz="2400" dirty="0"/>
-              <a:t> many cores, it will run rules in parallel and finish much faster</a:t>
+              <a:t> many cores, it will run </a:t>
+            </a:r>
+            <a:r>
+              <a:rPr lang="en-US" sz="2400" i="1" dirty="0"/>
+              <a:t>independent</a:t>
+            </a:r>
+            <a:r>
+              <a:rPr lang="en-US" sz="2400" dirty="0"/>
+              <a:t> rules in parallel and finish much faster</a:t>
             </a:r>
           </a:p>
           <a:p>
@@ -11600,7 +11608,15 @@
             </a:pPr>
             <a:r>
               <a:rPr lang="en-US" sz="2400" dirty="0"/>
-              <a:t>when rule 1 finishes, </a:t>
+              <a:t>when </a:t>
+            </a:r>
+            <a:r>
+              <a:rPr lang="en-US" sz="2400" b="1" dirty="0"/>
+              <a:t>rule 1 </a:t>
+            </a:r>
+            <a:r>
+              <a:rPr lang="en-US" sz="2400" dirty="0"/>
+              <a:t>finishes, </a:t>
             </a:r>
             <a:r>
               <a:rPr lang="en-US" sz="2400" b="1" dirty="0"/>

--- a/slides/part2_snakemake.pptx
+++ b/slides/part2_snakemake.pptx
@@ -9477,7 +9477,7 @@
         <p:spPr>
           <a:xfrm>
             <a:off x="512064" y="1133856"/>
-            <a:ext cx="7936992" cy="5078313"/>
+            <a:ext cx="7936992" cy="5355312"/>
           </a:xfrm>
           <a:prstGeom prst="rect">
             <a:avLst/>
@@ -9549,6 +9549,24 @@
             <a:r>
               <a:rPr lang="en-US" dirty="0"/>
               <a:t>If it fails or gets interrupted, it can pick up from where it left off</a:t>
+            </a:r>
+          </a:p>
+          <a:p>
+            <a:pPr marL="742950" lvl="1" indent="-285750">
+              <a:buFont typeface="Arial" panose="020B0604020202020204" pitchFamily="34" charset="0"/>
+              <a:buChar char="•"/>
+            </a:pPr>
+            <a:r>
+              <a:rPr lang="en-US" dirty="0"/>
+              <a:t> upon failure, it can also resubmit jobs with </a:t>
+            </a:r>
+            <a:r>
+              <a:rPr lang="en-US" i="1" dirty="0"/>
+              <a:t>more </a:t>
+            </a:r>
+            <a:r>
+              <a:rPr lang="en-US" dirty="0"/>
+              <a:t>memory and CPU</a:t>
             </a:r>
           </a:p>
           <a:p>
@@ -10081,7 +10099,15 @@
             </a:r>
             <a:r>
               <a:rPr lang="en-US" sz="2400" dirty="0"/>
-              <a:t> is a python-based workflow language</a:t>
+              <a:t> is a </a:t>
+            </a:r>
+            <a:r>
+              <a:rPr lang="en-US" sz="2400" i="1" dirty="0"/>
+              <a:t>python-based</a:t>
+            </a:r>
+            <a:r>
+              <a:rPr lang="en-US" sz="2400" dirty="0"/>
+              <a:t> workflow language</a:t>
             </a:r>
           </a:p>
           <a:p>
@@ -10113,9 +10139,9 @@
             </a:r>
           </a:p>
           <a:p>
-            <a:pPr marL="742950" lvl="1" indent="-285750">
-              <a:buFont typeface="Arial" panose="020B0604020202020204" pitchFamily="34" charset="0"/>
-              <a:buChar char="•"/>
+            <a:pPr marL="914400" lvl="1" indent="-457200">
+              <a:buFont typeface="+mj-lt"/>
+              <a:buAutoNum type="arabicPeriod"/>
             </a:pPr>
             <a:r>
               <a:rPr lang="en-US" sz="2400" dirty="0">
@@ -10133,9 +10159,9 @@
             </a:r>
           </a:p>
           <a:p>
-            <a:pPr marL="742950" lvl="1" indent="-285750">
-              <a:buFont typeface="Arial" panose="020B0604020202020204" pitchFamily="34" charset="0"/>
-              <a:buChar char="•"/>
+            <a:pPr marL="914400" lvl="1" indent="-457200">
+              <a:buFont typeface="+mj-lt"/>
+              <a:buAutoNum type="arabicPeriod"/>
             </a:pPr>
             <a:r>
               <a:rPr lang="en-US" sz="2400" dirty="0">
@@ -10153,9 +10179,9 @@
             </a:r>
           </a:p>
           <a:p>
-            <a:pPr marL="742950" lvl="1" indent="-285750">
-              <a:buFont typeface="Arial" panose="020B0604020202020204" pitchFamily="34" charset="0"/>
-              <a:buChar char="•"/>
+            <a:pPr marL="914400" lvl="1" indent="-457200">
+              <a:buFont typeface="+mj-lt"/>
+              <a:buAutoNum type="arabicPeriod"/>
             </a:pPr>
             <a:r>
               <a:rPr lang="en-US" sz="2400" dirty="0">
@@ -14060,7 +14086,7 @@
         <p:spPr>
           <a:xfrm>
             <a:off x="6096" y="3229715"/>
-            <a:ext cx="6244016" cy="1477328"/>
+            <a:ext cx="6244016" cy="1754326"/>
           </a:xfrm>
           <a:prstGeom prst="rect">
             <a:avLst/>
@@ -14104,7 +14130,7 @@
             </a:pPr>
             <a:r>
               <a:rPr lang="en-US" dirty="0"/>
-              <a:t>final rule, with only </a:t>
+              <a:t>the final rule, with only </a:t>
             </a:r>
             <a:r>
               <a:rPr lang="en-US" dirty="0">
@@ -14142,7 +14168,7 @@
               <a:rPr lang="en-US" dirty="0">
                 <a:cs typeface="Consolas" panose="020B0609020204030204" pitchFamily="49" charset="0"/>
               </a:rPr>
-              <a:t> figures out which rules need to be run to get file(s) in </a:t>
+              <a:t> figures out which rules need to be run to make file(s) in </a:t>
             </a:r>
             <a:r>
               <a:rPr lang="en-US" dirty="0">
